--- a/PPT FWD TNSDC(NM _SK) 2025.pptx
+++ b/PPT FWD TNSDC(NM _SK) 2025.pptx
@@ -2,27 +2,27 @@
 <file path=ppt/presentation.xml><?xml version="1.0" encoding="utf-8"?>
 <p:presentation xmlns:p="http://schemas.openxmlformats.org/presentationml/2006/main" xmlns:r="http://schemas.openxmlformats.org/officeDocument/2006/relationships" xmlns:a="http://schemas.openxmlformats.org/drawingml/2006/main">
   <p:sldMasterIdLst>
-    <p:sldMasterId id="2147483648" r:id="rId1"/>
+    <p:sldMasterId id="2147483654" r:id="rId1"/>
   </p:sldMasterIdLst>
   <p:notesMasterIdLst>
     <p:notesMasterId r:id="rId2"/>
   </p:notesMasterIdLst>
   <p:sldIdLst>
-    <p:sldId id="257" r:id="rId3"/>
-    <p:sldId id="258" r:id="rId4"/>
-    <p:sldId id="259" r:id="rId5"/>
-    <p:sldId id="260" r:id="rId6"/>
-    <p:sldId id="261" r:id="rId7"/>
-    <p:sldId id="262" r:id="rId8"/>
-    <p:sldId id="263" r:id="rId9"/>
-    <p:sldId id="264" r:id="rId10"/>
-    <p:sldId id="265" r:id="rId11"/>
-    <p:sldId id="266" r:id="rId12"/>
-    <p:sldId id="267" r:id="rId13"/>
-    <p:sldId id="268" r:id="rId14"/>
-    <p:sldId id="269" r:id="rId15"/>
-    <p:sldId id="270" r:id="rId16"/>
-    <p:sldId id="271" r:id="rId17"/>
+    <p:sldId id="275" r:id="rId3"/>
+    <p:sldId id="276" r:id="rId4"/>
+    <p:sldId id="277" r:id="rId5"/>
+    <p:sldId id="278" r:id="rId6"/>
+    <p:sldId id="279" r:id="rId7"/>
+    <p:sldId id="280" r:id="rId8"/>
+    <p:sldId id="281" r:id="rId9"/>
+    <p:sldId id="282" r:id="rId10"/>
+    <p:sldId id="283" r:id="rId11"/>
+    <p:sldId id="284" r:id="rId12"/>
+    <p:sldId id="286" r:id="rId13"/>
+    <p:sldId id="287" r:id="rId14"/>
+    <p:sldId id="288" r:id="rId15"/>
+    <p:sldId id="289" r:id="rId16"/>
+    <p:sldId id="290" r:id="rId17"/>
   </p:sldIdLst>
   <p:sldSz type="screen16x9" cy="6858000" cx="12192000"/>
   <p:notesSz cx="12192000" cy="6858000"/>
@@ -460,7 +460,7 @@
   <p:cSld>
     <p:spTree>
       <p:nvGrpSpPr>
-        <p:cNvPr id="35" name=""/>
+        <p:cNvPr id="22" name=""/>
         <p:cNvGrpSpPr/>
         <p:nvPr/>
       </p:nvGrpSpPr>
@@ -474,7 +474,7 @@
       </p:grpSpPr>
       <p:sp>
         <p:nvSpPr>
-          <p:cNvPr id="1048626" name="Slide Image Placeholder 1"/>
+          <p:cNvPr id="1048603" name="Slide Image Placeholder 1"/>
           <p:cNvSpPr>
             <a:spLocks noChangeAspect="1" noRot="1" noGrp="1"/>
           </p:cNvSpPr>
@@ -486,7 +486,7 @@
       </p:sp>
       <p:sp>
         <p:nvSpPr>
-          <p:cNvPr id="1048627" name="Notes Placeholder 2"/>
+          <p:cNvPr id="1048604" name="Notes Placeholder 2"/>
           <p:cNvSpPr>
             <a:spLocks noGrp="1"/>
           </p:cNvSpPr>
@@ -504,7 +504,7 @@
       </p:sp>
       <p:sp>
         <p:nvSpPr>
-          <p:cNvPr id="1048628" name="Slide Number Placeholder 3"/>
+          <p:cNvPr id="1048605" name="Slide Number Placeholder 3"/>
           <p:cNvSpPr>
             <a:spLocks noGrp="1"/>
           </p:cNvSpPr>
@@ -537,7 +537,7 @@
   <p:cSld>
     <p:spTree>
       <p:nvGrpSpPr>
-        <p:cNvPr id="45" name=""/>
+        <p:cNvPr id="38" name=""/>
         <p:cNvGrpSpPr/>
         <p:nvPr/>
       </p:nvGrpSpPr>
@@ -551,7 +551,7 @@
       </p:grpSpPr>
       <p:sp>
         <p:nvSpPr>
-          <p:cNvPr id="1048668" name="Notes Placeholder 1048699"/>
+          <p:cNvPr id="1048649" name="Notes Placeholder 1048699"/>
           <p:cNvSpPr>
             <a:spLocks noGrp="1"/>
           </p:cNvSpPr>
@@ -580,7 +580,7 @@
   <p:cSld name="Title Slide">
     <p:spTree>
       <p:nvGrpSpPr>
-        <p:cNvPr id="31" name=""/>
+        <p:cNvPr id="18" name=""/>
         <p:cNvGrpSpPr/>
         <p:nvPr/>
       </p:nvGrpSpPr>
@@ -594,7 +594,7 @@
       </p:grpSpPr>
       <p:sp>
         <p:nvSpPr>
-          <p:cNvPr id="1048614" name="Holder 2"/>
+          <p:cNvPr id="1048591" name="Holder 2"/>
           <p:cNvSpPr>
             <a:spLocks noGrp="1"/>
           </p:cNvSpPr>
@@ -629,7 +629,7 @@
       </p:sp>
       <p:sp>
         <p:nvSpPr>
-          <p:cNvPr id="1048615" name="Holder 3"/>
+          <p:cNvPr id="1048592" name="Holder 3"/>
           <p:cNvSpPr>
             <a:spLocks noGrp="1"/>
           </p:cNvSpPr>
@@ -653,7 +653,7 @@
       </p:sp>
       <p:sp>
         <p:nvSpPr>
-          <p:cNvPr id="1048616" name="Holder 4"/>
+          <p:cNvPr id="1048593" name="Holder 4"/>
           <p:cNvSpPr>
             <a:spLocks noGrp="1"/>
           </p:cNvSpPr>
@@ -680,7 +680,7 @@
       </p:sp>
       <p:sp>
         <p:nvSpPr>
-          <p:cNvPr id="1048617" name="Holder 5"/>
+          <p:cNvPr id="1048594" name="Holder 5"/>
           <p:cNvSpPr>
             <a:spLocks noGrp="1"/>
           </p:cNvSpPr>
@@ -713,7 +713,7 @@
       </p:sp>
       <p:sp>
         <p:nvSpPr>
-          <p:cNvPr id="1048618" name="Holder 6"/>
+          <p:cNvPr id="1048595" name="Holder 6"/>
           <p:cNvSpPr>
             <a:spLocks noGrp="1"/>
           </p:cNvSpPr>
@@ -1150,7 +1150,7 @@
   <p:cSld name="Title Only">
     <p:spTree>
       <p:nvGrpSpPr>
-        <p:cNvPr id="23" name=""/>
+        <p:cNvPr id="28" name=""/>
         <p:cNvGrpSpPr/>
         <p:nvPr/>
       </p:nvGrpSpPr>
@@ -1164,7 +1164,7 @@
       </p:grpSpPr>
       <p:sp>
         <p:nvSpPr>
-          <p:cNvPr id="1048591" name="Holder 2"/>
+          <p:cNvPr id="1048606" name="Holder 2"/>
           <p:cNvSpPr>
             <a:spLocks noGrp="1"/>
           </p:cNvSpPr>
@@ -1196,7 +1196,7 @@
       </p:sp>
       <p:sp>
         <p:nvSpPr>
-          <p:cNvPr id="1048592" name="Holder 3"/>
+          <p:cNvPr id="1048607" name="Holder 3"/>
           <p:cNvSpPr>
             <a:spLocks noGrp="1"/>
           </p:cNvSpPr>
@@ -1223,7 +1223,7 @@
       </p:sp>
       <p:sp>
         <p:nvSpPr>
-          <p:cNvPr id="1048593" name="Holder 4"/>
+          <p:cNvPr id="1048608" name="Holder 4"/>
           <p:cNvSpPr>
             <a:spLocks noGrp="1"/>
           </p:cNvSpPr>
@@ -1256,7 +1256,7 @@
       </p:sp>
       <p:sp>
         <p:nvSpPr>
-          <p:cNvPr id="1048594" name="Holder 5"/>
+          <p:cNvPr id="1048609" name="Holder 5"/>
           <p:cNvSpPr>
             <a:spLocks noGrp="1"/>
           </p:cNvSpPr>
@@ -1442,7 +1442,7 @@
     </p:bg>
     <p:spTree>
       <p:nvGrpSpPr>
-        <p:cNvPr id="17" name=""/>
+        <p:cNvPr id="12" name=""/>
         <p:cNvGrpSpPr/>
         <p:nvPr/>
       </p:nvGrpSpPr>
@@ -2083,11 +2083,11 @@
   </p:cSld>
   <p:clrMap accent1="accent1" accent2="accent2" accent3="accent3" accent4="accent4" accent5="accent5" accent6="accent6" bg1="lt1" bg2="lt2" tx1="dk1" tx2="dk2" hlink="hlink" folHlink="folHlink"/>
   <p:sldLayoutIdLst>
-    <p:sldLayoutId id="2147483649" r:id="rId1"/>
-    <p:sldLayoutId id="2147483650" r:id="rId2"/>
-    <p:sldLayoutId id="2147483651" r:id="rId3"/>
-    <p:sldLayoutId id="2147483652" r:id="rId4"/>
-    <p:sldLayoutId id="2147483653" r:id="rId5"/>
+    <p:sldLayoutId id="2147483655" r:id="rId1"/>
+    <p:sldLayoutId id="2147483656" r:id="rId2"/>
+    <p:sldLayoutId id="2147483657" r:id="rId3"/>
+    <p:sldLayoutId id="2147483658" r:id="rId4"/>
+    <p:sldLayoutId id="2147483659" r:id="rId5"/>
   </p:sldLayoutIdLst>
   <p:txStyles>
     <p:titleStyle>
@@ -2238,7 +2238,7 @@
   <p:cSld>
     <p:spTree>
       <p:nvGrpSpPr>
-        <p:cNvPr id="32" name=""/>
+        <p:cNvPr id="19" name=""/>
         <p:cNvGrpSpPr/>
         <p:nvPr/>
       </p:nvGrpSpPr>
@@ -2252,7 +2252,7 @@
       </p:grpSpPr>
       <p:grpSp>
         <p:nvGrpSpPr>
-          <p:cNvPr id="33" name="object 2"/>
+          <p:cNvPr id="20" name="object 2"/>
           <p:cNvGrpSpPr/>
           <p:nvPr/>
         </p:nvGrpSpPr>
@@ -2266,7 +2266,7 @@
         </p:grpSpPr>
         <p:sp>
           <p:nvSpPr>
-            <p:cNvPr id="1048619" name="object 3"/>
+            <p:cNvPr id="1048596" name="object 3"/>
             <p:cNvSpPr/>
             <p:nvPr/>
           </p:nvSpPr>
@@ -2317,7 +2317,7 @@
         </p:sp>
         <p:sp>
           <p:nvSpPr>
-            <p:cNvPr id="1048620" name="object 4"/>
+            <p:cNvPr id="1048597" name="object 4"/>
             <p:cNvSpPr/>
             <p:nvPr/>
           </p:nvSpPr>
@@ -2369,7 +2369,7 @@
       </p:grpSp>
       <p:sp>
         <p:nvSpPr>
-          <p:cNvPr id="1048621" name="object 5"/>
+          <p:cNvPr id="1048598" name="object 5"/>
           <p:cNvSpPr/>
           <p:nvPr/>
         </p:nvSpPr>
@@ -2420,7 +2420,7 @@
       </p:sp>
       <p:sp>
         <p:nvSpPr>
-          <p:cNvPr id="1048622" name="object 6"/>
+          <p:cNvPr id="1048599" name="object 6"/>
           <p:cNvSpPr/>
           <p:nvPr/>
         </p:nvSpPr>
@@ -2471,7 +2471,7 @@
       </p:sp>
       <p:sp>
         <p:nvSpPr>
-          <p:cNvPr id="1048623" name="object 7"/>
+          <p:cNvPr id="1048600" name="object 7"/>
           <p:cNvSpPr txBox="1">
             <a:spLocks noGrp="1"/>
           </p:cNvSpPr>
@@ -2482,7 +2482,7 @@
         <p:spPr>
           <a:xfrm>
             <a:off x="1523999" y="19665"/>
-            <a:ext cx="7629525" cy="878446"/>
+            <a:ext cx="7629525" cy="956310"/>
           </a:xfrm>
           <a:prstGeom prst="rect"/>
         </p:spPr>
@@ -2537,7 +2537,7 @@
       </p:sp>
       <p:pic>
         <p:nvPicPr>
-          <p:cNvPr id="2097159" name="object 9"/>
+          <p:cNvPr id="2097152" name="object 9"/>
           <p:cNvPicPr>
             <a:picLocks/>
           </p:cNvPicPr>
@@ -2559,7 +2559,7 @@
       </p:pic>
       <p:sp>
         <p:nvSpPr>
-          <p:cNvPr id="1048624" name="object 11"/>
+          <p:cNvPr id="1048601" name="object 11"/>
           <p:cNvSpPr txBox="1">
             <a:spLocks noGrp="1"/>
           </p:cNvSpPr>
@@ -2593,14 +2593,14 @@
       </p:sp>
       <p:sp>
         <p:nvSpPr>
-          <p:cNvPr id="1048625" name="TextBox 13"/>
+          <p:cNvPr id="1048602" name="TextBox 13"/>
           <p:cNvSpPr txBox="1"/>
           <p:nvPr/>
         </p:nvSpPr>
         <p:spPr>
           <a:xfrm>
             <a:off x="876299" y="3124200"/>
-            <a:ext cx="10276460" cy="2862322"/>
+            <a:ext cx="10276460" cy="3139440"/>
           </a:xfrm>
           <a:prstGeom prst="rect"/>
           <a:noFill/>
@@ -2723,7 +2723,7 @@
   <p:cSld>
     <p:spTree>
       <p:nvGrpSpPr>
-        <p:cNvPr id="28" name=""/>
+        <p:cNvPr id="45" name=""/>
         <p:cNvGrpSpPr/>
         <p:nvPr/>
       </p:nvGrpSpPr>
@@ -2737,7 +2737,7 @@
       </p:grpSpPr>
       <p:sp>
         <p:nvSpPr>
-          <p:cNvPr id="1048599" name="object 2"/>
+          <p:cNvPr id="1048675" name="object 2"/>
           <p:cNvSpPr txBox="1"/>
           <p:nvPr/>
         </p:nvSpPr>
@@ -2907,7 +2907,7 @@
       </p:sp>
       <p:sp>
         <p:nvSpPr>
-          <p:cNvPr id="1048600" name="object 3"/>
+          <p:cNvPr id="1048676" name="object 3"/>
           <p:cNvSpPr/>
           <p:nvPr/>
         </p:nvSpPr>
@@ -2952,7 +2952,7 @@
       </p:sp>
       <p:sp>
         <p:nvSpPr>
-          <p:cNvPr id="1048601" name="object 4"/>
+          <p:cNvPr id="1048677" name="object 4"/>
           <p:cNvSpPr/>
           <p:nvPr/>
         </p:nvSpPr>
@@ -2997,7 +2997,7 @@
       </p:sp>
       <p:sp>
         <p:nvSpPr>
-          <p:cNvPr id="1048602" name="object 5"/>
+          <p:cNvPr id="1048678" name="object 5"/>
           <p:cNvSpPr/>
           <p:nvPr/>
         </p:nvSpPr>
@@ -3042,7 +3042,7 @@
       </p:sp>
       <p:pic>
         <p:nvPicPr>
-          <p:cNvPr id="2097156" name="object 6"/>
+          <p:cNvPr id="2097166" name="object 6"/>
           <p:cNvPicPr>
             <a:picLocks/>
           </p:cNvPicPr>
@@ -3064,7 +3064,7 @@
       </p:pic>
       <p:sp>
         <p:nvSpPr>
-          <p:cNvPr id="1048603" name="object 7"/>
+          <p:cNvPr id="1048679" name="object 7"/>
           <p:cNvSpPr txBox="1">
             <a:spLocks noGrp="1"/>
           </p:cNvSpPr>
@@ -3121,7 +3121,7 @@
       </p:sp>
       <p:sp>
         <p:nvSpPr>
-          <p:cNvPr id="1048604" name="object 8"/>
+          <p:cNvPr id="1048680" name="object 8"/>
           <p:cNvSpPr txBox="1"/>
           <p:nvPr/>
         </p:nvSpPr>
@@ -3164,7 +3164,7 @@
       </p:sp>
       <p:sp>
         <p:nvSpPr>
-          <p:cNvPr id="1048605" name="TextBox 8"/>
+          <p:cNvPr id="1048681" name="TextBox 8"/>
           <p:cNvSpPr txBox="1"/>
           <p:nvPr/>
         </p:nvSpPr>
@@ -3204,7 +3204,7 @@
       </p:sp>
       <p:pic>
         <p:nvPicPr>
-          <p:cNvPr id="2097157" name="Picture 4"/>
+          <p:cNvPr id="2097167" name="Picture 4"/>
           <p:cNvPicPr>
             <a:picLocks noChangeAspect="1"/>
           </p:cNvPicPr>
@@ -3226,7 +3226,7 @@
       </p:pic>
       <p:pic>
         <p:nvPicPr>
-          <p:cNvPr id="2097173" name=""/>
+          <p:cNvPr id="2097168" name=""/>
           <p:cNvPicPr>
             <a:picLocks/>
           </p:cNvPicPr>
@@ -3259,7 +3259,7 @@
   <p:cSld>
     <p:spTree>
       <p:nvGrpSpPr>
-        <p:cNvPr id="26" name=""/>
+        <p:cNvPr id="46" name=""/>
         <p:cNvGrpSpPr/>
         <p:nvPr/>
       </p:nvGrpSpPr>
@@ -3273,7 +3273,7 @@
       </p:grpSpPr>
       <p:sp>
         <p:nvSpPr>
-          <p:cNvPr id="1048597" name="Title 1"/>
+          <p:cNvPr id="1048682" name="Title 1"/>
           <p:cNvSpPr>
             <a:spLocks noGrp="1"/>
           </p:cNvSpPr>
@@ -3316,7 +3316,7 @@
       </p:sp>
       <p:pic>
         <p:nvPicPr>
-          <p:cNvPr id="2097154" name="Picture 2"/>
+          <p:cNvPr id="2097169" name="Picture 2"/>
           <p:cNvPicPr>
             <a:picLocks noChangeAspect="1"/>
           </p:cNvPicPr>
@@ -3332,6 +3332,237 @@
           <a:xfrm>
             <a:off x="1828800" y="914400"/>
             <a:ext cx="4676747" cy="5484186"/>
+          </a:xfrm>
+          <a:prstGeom prst="rect"/>
+        </p:spPr>
+      </p:pic>
+      <p:pic>
+        <p:nvPicPr>
+          <p:cNvPr id="2097170" name=""/>
+          <p:cNvPicPr>
+            <a:picLocks/>
+          </p:cNvPicPr>
+          <p:nvPr/>
+        </p:nvPicPr>
+        <p:blipFill>
+          <a:blip xmlns:r="http://schemas.openxmlformats.org/officeDocument/2006/relationships" r:embed="rId2"/>
+          <a:stretch>
+            <a:fillRect/>
+          </a:stretch>
+        </p:blipFill>
+        <p:spPr>
+          <a:xfrm rot="18367">
+            <a:off x="7444827" y="989474"/>
+            <a:ext cx="3041452" cy="5409089"/>
+          </a:xfrm>
+          <a:prstGeom prst="rect"/>
+        </p:spPr>
+      </p:pic>
+    </p:spTree>
+  </p:cSld>
+  <p:clrMapOvr>
+    <a:masterClrMapping/>
+  </p:clrMapOvr>
+</p:sld>
+</file>
+
+<file path=ppt/slides/slide12.xml><?xml version="1.0" encoding="utf-8"?>
+<p:sld xmlns:a="http://schemas.openxmlformats.org/drawingml/2006/main" xmlns:r="http://schemas.openxmlformats.org/officeDocument/2006/relationships" xmlns:p="http://schemas.openxmlformats.org/presentationml/2006/main">
+  <p:cSld>
+    <p:spTree>
+      <p:nvGrpSpPr>
+        <p:cNvPr id="47" name=""/>
+        <p:cNvGrpSpPr/>
+        <p:nvPr/>
+      </p:nvGrpSpPr>
+      <p:grpSpPr>
+        <a:xfrm>
+          <a:off x="0" y="0"/>
+          <a:ext cx="0" cy="0"/>
+          <a:chOff x="0" y="0"/>
+          <a:chExt cx="0" cy="0"/>
+        </a:xfrm>
+      </p:grpSpPr>
+      <p:sp>
+        <p:nvSpPr>
+          <p:cNvPr id="1048683" name="Title 1"/>
+          <p:cNvSpPr>
+            <a:spLocks noGrp="1"/>
+          </p:cNvSpPr>
+          <p:nvPr>
+            <p:ph type="title"/>
+          </p:nvPr>
+        </p:nvSpPr>
+        <p:spPr>
+          <a:xfrm>
+            <a:off x="755332" y="385444"/>
+            <a:ext cx="10681335" cy="469900"/>
+          </a:xfrm>
+        </p:spPr>
+        <p:txBody>
+          <a:bodyPr/>
+          <a:p>
+            <a:r>
+              <a:rPr dirty="0" sz="2800" lang="en-IN" spc="15">
+                <a:solidFill>
+                  <a:srgbClr val="7030A0"/>
+                </a:solidFill>
+                <a:latin typeface="+mj-lt"/>
+              </a:rPr>
+              <a:t>RESULTS</a:t>
+            </a:r>
+            <a:r>
+              <a:rPr dirty="0" sz="2800" lang="en-IN" spc="15">
+                <a:solidFill>
+                  <a:srgbClr val="7030A0"/>
+                </a:solidFill>
+              </a:rPr>
+              <a:t> AND SCREENSHOTS </a:t>
+            </a:r>
+            <a:r>
+              <a:rPr dirty="0" sz="2800" lang="en-IN" spc="15" smtClean="0">
+                <a:solidFill>
+                  <a:srgbClr val="7030A0"/>
+                </a:solidFill>
+              </a:rPr>
+              <a:t>OF PROJECT  SECTION</a:t>
+            </a:r>
+            <a:endParaRPr dirty="0" sz="2800" lang="en-US">
+              <a:latin typeface="+mj-lt"/>
+            </a:endParaRPr>
+          </a:p>
+        </p:txBody>
+      </p:sp>
+      <p:pic>
+        <p:nvPicPr>
+          <p:cNvPr id="2097171" name="Picture 3"/>
+          <p:cNvPicPr>
+            <a:picLocks noChangeAspect="1"/>
+          </p:cNvPicPr>
+          <p:nvPr/>
+        </p:nvPicPr>
+        <p:blipFill>
+          <a:blip xmlns:r="http://schemas.openxmlformats.org/officeDocument/2006/relationships" r:embed="rId1" cstate="print"/>
+          <a:stretch>
+            <a:fillRect/>
+          </a:stretch>
+        </p:blipFill>
+        <p:spPr>
+          <a:xfrm>
+            <a:off x="609600" y="1295400"/>
+            <a:ext cx="6255009" cy="4807981"/>
+          </a:xfrm>
+          <a:prstGeom prst="rect"/>
+        </p:spPr>
+      </p:pic>
+      <p:pic>
+        <p:nvPicPr>
+          <p:cNvPr id="2097172" name=""/>
+          <p:cNvPicPr>
+            <a:picLocks/>
+          </p:cNvPicPr>
+          <p:nvPr/>
+        </p:nvPicPr>
+        <p:blipFill>
+          <a:blip xmlns:r="http://schemas.openxmlformats.org/officeDocument/2006/relationships" r:embed="rId2"/>
+          <a:stretch>
+            <a:fillRect/>
+          </a:stretch>
+        </p:blipFill>
+        <p:spPr>
+          <a:xfrm>
+            <a:off x="8050793" y="1078812"/>
+            <a:ext cx="2762829" cy="5241158"/>
+          </a:xfrm>
+          <a:prstGeom prst="rect"/>
+        </p:spPr>
+      </p:pic>
+    </p:spTree>
+  </p:cSld>
+  <p:clrMapOvr>
+    <a:masterClrMapping/>
+  </p:clrMapOvr>
+</p:sld>
+</file>
+
+<file path=ppt/slides/slide13.xml><?xml version="1.0" encoding="utf-8"?>
+<p:sld xmlns:a="http://schemas.openxmlformats.org/drawingml/2006/main" xmlns:r="http://schemas.openxmlformats.org/officeDocument/2006/relationships" xmlns:p="http://schemas.openxmlformats.org/presentationml/2006/main">
+  <p:cSld>
+    <p:spTree>
+      <p:nvGrpSpPr>
+        <p:cNvPr id="48" name=""/>
+        <p:cNvGrpSpPr/>
+        <p:nvPr/>
+      </p:nvGrpSpPr>
+      <p:grpSpPr>
+        <a:xfrm>
+          <a:off x="0" y="0"/>
+          <a:ext cx="0" cy="0"/>
+          <a:chOff x="0" y="0"/>
+          <a:chExt cx="0" cy="0"/>
+        </a:xfrm>
+      </p:grpSpPr>
+      <p:sp>
+        <p:nvSpPr>
+          <p:cNvPr id="1048684" name="Title 1"/>
+          <p:cNvSpPr>
+            <a:spLocks noGrp="1"/>
+          </p:cNvSpPr>
+          <p:nvPr>
+            <p:ph type="title"/>
+          </p:nvPr>
+        </p:nvSpPr>
+        <p:spPr>
+          <a:xfrm>
+            <a:off x="755332" y="385444"/>
+            <a:ext cx="10681335" cy="469900"/>
+          </a:xfrm>
+        </p:spPr>
+        <p:txBody>
+          <a:bodyPr/>
+          <a:p>
+            <a:r>
+              <a:rPr dirty="0" sz="2800" lang="en-IN" spc="15">
+                <a:solidFill>
+                  <a:srgbClr val="7030A0"/>
+                </a:solidFill>
+                <a:latin typeface="+mj-lt"/>
+              </a:rPr>
+              <a:t>RESULTS AND SCREENSHOTS </a:t>
+            </a:r>
+            <a:r>
+              <a:rPr dirty="0" sz="2800" lang="en-IN" spc="15" smtClean="0">
+                <a:solidFill>
+                  <a:srgbClr val="7030A0"/>
+                </a:solidFill>
+                <a:latin typeface="+mj-lt"/>
+              </a:rPr>
+              <a:t>OF SERVIES SECTION</a:t>
+            </a:r>
+            <a:endParaRPr dirty="0" sz="2800" lang="en-US">
+              <a:latin typeface="+mj-lt"/>
+            </a:endParaRPr>
+          </a:p>
+        </p:txBody>
+      </p:sp>
+      <p:pic>
+        <p:nvPicPr>
+          <p:cNvPr id="2097173" name="Picture 2"/>
+          <p:cNvPicPr>
+            <a:picLocks noChangeAspect="1"/>
+          </p:cNvPicPr>
+          <p:nvPr/>
+        </p:nvPicPr>
+        <p:blipFill>
+          <a:blip xmlns:r="http://schemas.openxmlformats.org/officeDocument/2006/relationships" r:embed="rId1" cstate="print"/>
+          <a:stretch>
+            <a:fillRect/>
+          </a:stretch>
+        </p:blipFill>
+        <p:spPr>
+          <a:xfrm>
+            <a:off x="1066800" y="1371600"/>
+            <a:ext cx="6477000" cy="4906818"/>
           </a:xfrm>
           <a:prstGeom prst="rect"/>
         </p:spPr>
@@ -3351,9 +3582,9 @@
           </a:stretch>
         </p:blipFill>
         <p:spPr>
-          <a:xfrm rot="18367">
-            <a:off x="7444827" y="989474"/>
-            <a:ext cx="3041452" cy="5409089"/>
+          <a:xfrm rot="21600000">
+            <a:off x="7980278" y="987336"/>
+            <a:ext cx="2821937" cy="5291080"/>
           </a:xfrm>
           <a:prstGeom prst="rect"/>
         </p:spPr>
@@ -3366,12 +3597,12 @@
 </p:sld>
 </file>
 
-<file path=ppt/slides/slide12.xml><?xml version="1.0" encoding="utf-8"?>
+<file path=ppt/slides/slide14.xml><?xml version="1.0" encoding="utf-8"?>
 <p:sld xmlns:a="http://schemas.openxmlformats.org/drawingml/2006/main" xmlns:r="http://schemas.openxmlformats.org/officeDocument/2006/relationships" xmlns:p="http://schemas.openxmlformats.org/presentationml/2006/main">
   <p:cSld>
     <p:spTree>
       <p:nvGrpSpPr>
-        <p:cNvPr id="24" name=""/>
+        <p:cNvPr id="49" name=""/>
         <p:cNvGrpSpPr/>
         <p:nvPr/>
       </p:nvGrpSpPr>
@@ -3385,7 +3616,7 @@
       </p:grpSpPr>
       <p:sp>
         <p:nvSpPr>
-          <p:cNvPr id="1048595" name="Title 1"/>
+          <p:cNvPr id="1048685" name="Title 1"/>
           <p:cNvSpPr>
             <a:spLocks noGrp="1"/>
           </p:cNvSpPr>
@@ -3409,23 +3640,16 @@
                 </a:solidFill>
                 <a:latin typeface="+mj-lt"/>
               </a:rPr>
-              <a:t>RESULTS</a:t>
-            </a:r>
-            <a:r>
-              <a:rPr dirty="0" sz="2800" lang="en-IN" spc="15">
+              <a:t>RESULTS AND SCREENSHOTS </a:t>
+            </a:r>
+            <a:r>
+              <a:rPr dirty="0" sz="2800" lang="en-IN" spc="15" smtClean="0">
                 <a:solidFill>
                   <a:srgbClr val="7030A0"/>
                 </a:solidFill>
-              </a:rPr>
-              <a:t> AND SCREENSHOTS </a:t>
-            </a:r>
-            <a:r>
-              <a:rPr dirty="0" sz="2800" lang="en-IN" spc="15" smtClean="0">
-                <a:solidFill>
-                  <a:srgbClr val="7030A0"/>
-                </a:solidFill>
-              </a:rPr>
-              <a:t>OF PROJECT  SECTION</a:t>
+                <a:latin typeface="+mj-lt"/>
+              </a:rPr>
+              <a:t>OF CONTACT SECTION</a:t>
             </a:r>
             <a:endParaRPr dirty="0" sz="2800" lang="en-US">
               <a:latin typeface="+mj-lt"/>
@@ -3435,7 +3659,7 @@
       </p:sp>
       <p:pic>
         <p:nvPicPr>
-          <p:cNvPr id="2097152" name="Picture 3"/>
+          <p:cNvPr id="2097175" name="Picture 3"/>
           <p:cNvPicPr>
             <a:picLocks noChangeAspect="1"/>
           </p:cNvPicPr>
@@ -3449,120 +3673,8 @@
         </p:blipFill>
         <p:spPr>
           <a:xfrm>
-            <a:off x="609600" y="1295400"/>
-            <a:ext cx="6255009" cy="4807981"/>
-          </a:xfrm>
-          <a:prstGeom prst="rect"/>
-        </p:spPr>
-      </p:pic>
-      <p:pic>
-        <p:nvPicPr>
-          <p:cNvPr id="2097175" name=""/>
-          <p:cNvPicPr>
-            <a:picLocks/>
-          </p:cNvPicPr>
-          <p:nvPr/>
-        </p:nvPicPr>
-        <p:blipFill>
-          <a:blip xmlns:r="http://schemas.openxmlformats.org/officeDocument/2006/relationships" r:embed="rId2"/>
-          <a:stretch>
-            <a:fillRect/>
-          </a:stretch>
-        </p:blipFill>
-        <p:spPr>
-          <a:xfrm>
-            <a:off x="8050793" y="1078812"/>
-            <a:ext cx="2762829" cy="5241158"/>
-          </a:xfrm>
-          <a:prstGeom prst="rect"/>
-        </p:spPr>
-      </p:pic>
-    </p:spTree>
-  </p:cSld>
-  <p:clrMapOvr>
-    <a:masterClrMapping/>
-  </p:clrMapOvr>
-</p:sld>
-</file>
-
-<file path=ppt/slides/slide13.xml><?xml version="1.0" encoding="utf-8"?>
-<p:sld xmlns:a="http://schemas.openxmlformats.org/drawingml/2006/main" xmlns:r="http://schemas.openxmlformats.org/officeDocument/2006/relationships" xmlns:p="http://schemas.openxmlformats.org/presentationml/2006/main">
-  <p:cSld>
-    <p:spTree>
-      <p:nvGrpSpPr>
-        <p:cNvPr id="25" name=""/>
-        <p:cNvGrpSpPr/>
-        <p:nvPr/>
-      </p:nvGrpSpPr>
-      <p:grpSpPr>
-        <a:xfrm>
-          <a:off x="0" y="0"/>
-          <a:ext cx="0" cy="0"/>
-          <a:chOff x="0" y="0"/>
-          <a:chExt cx="0" cy="0"/>
-        </a:xfrm>
-      </p:grpSpPr>
-      <p:sp>
-        <p:nvSpPr>
-          <p:cNvPr id="1048596" name="Title 1"/>
-          <p:cNvSpPr>
-            <a:spLocks noGrp="1"/>
-          </p:cNvSpPr>
-          <p:nvPr>
-            <p:ph type="title"/>
-          </p:nvPr>
-        </p:nvSpPr>
-        <p:spPr>
-          <a:xfrm>
-            <a:off x="755332" y="385444"/>
-            <a:ext cx="10681335" cy="469900"/>
-          </a:xfrm>
-        </p:spPr>
-        <p:txBody>
-          <a:bodyPr/>
-          <a:p>
-            <a:r>
-              <a:rPr dirty="0" sz="2800" lang="en-IN" spc="15">
-                <a:solidFill>
-                  <a:srgbClr val="7030A0"/>
-                </a:solidFill>
-                <a:latin typeface="+mj-lt"/>
-              </a:rPr>
-              <a:t>RESULTS AND SCREENSHOTS </a:t>
-            </a:r>
-            <a:r>
-              <a:rPr dirty="0" sz="2800" lang="en-IN" spc="15" smtClean="0">
-                <a:solidFill>
-                  <a:srgbClr val="7030A0"/>
-                </a:solidFill>
-                <a:latin typeface="+mj-lt"/>
-              </a:rPr>
-              <a:t>OF SERVIES SECTION</a:t>
-            </a:r>
-            <a:endParaRPr dirty="0" sz="2800" lang="en-US">
-              <a:latin typeface="+mj-lt"/>
-            </a:endParaRPr>
-          </a:p>
-        </p:txBody>
-      </p:sp>
-      <p:pic>
-        <p:nvPicPr>
-          <p:cNvPr id="2097153" name="Picture 2"/>
-          <p:cNvPicPr>
-            <a:picLocks noChangeAspect="1"/>
-          </p:cNvPicPr>
-          <p:nvPr/>
-        </p:nvPicPr>
-        <p:blipFill>
-          <a:blip xmlns:r="http://schemas.openxmlformats.org/officeDocument/2006/relationships" r:embed="rId1" cstate="print"/>
-          <a:stretch>
-            <a:fillRect/>
-          </a:stretch>
-        </p:blipFill>
-        <p:spPr>
-          <a:xfrm>
-            <a:off x="1066800" y="1371600"/>
-            <a:ext cx="6477000" cy="4906818"/>
+            <a:off x="1600200" y="1066800"/>
+            <a:ext cx="5790576" cy="5638800"/>
           </a:xfrm>
           <a:prstGeom prst="rect"/>
         </p:spPr>
@@ -3582,9 +3694,9 @@
           </a:stretch>
         </p:blipFill>
         <p:spPr>
-          <a:xfrm rot="21600000">
-            <a:off x="7980278" y="987336"/>
-            <a:ext cx="2821937" cy="5291080"/>
+          <a:xfrm>
+            <a:off x="8204587" y="1271011"/>
+            <a:ext cx="2669252" cy="5230379"/>
           </a:xfrm>
           <a:prstGeom prst="rect"/>
         </p:spPr>
@@ -3597,12 +3709,12 @@
 </p:sld>
 </file>
 
-<file path=ppt/slides/slide14.xml><?xml version="1.0" encoding="utf-8"?>
+<file path=ppt/slides/slide15.xml><?xml version="1.0" encoding="utf-8"?>
 <p:sld xmlns:a="http://schemas.openxmlformats.org/drawingml/2006/main" xmlns:r="http://schemas.openxmlformats.org/officeDocument/2006/relationships" xmlns:p="http://schemas.openxmlformats.org/presentationml/2006/main">
   <p:cSld>
     <p:spTree>
       <p:nvGrpSpPr>
-        <p:cNvPr id="27" name=""/>
+        <p:cNvPr id="50" name=""/>
         <p:cNvGrpSpPr/>
         <p:nvPr/>
       </p:nvGrpSpPr>
@@ -3616,52 +3728,144 @@
       </p:grpSpPr>
       <p:sp>
         <p:nvSpPr>
-          <p:cNvPr id="1048598" name="Title 1"/>
-          <p:cNvSpPr>
-            <a:spLocks noGrp="1"/>
-          </p:cNvSpPr>
-          <p:nvPr>
-            <p:ph type="title"/>
-          </p:nvPr>
-        </p:nvSpPr>
-        <p:spPr>
-          <a:xfrm>
-            <a:off x="755332" y="385444"/>
-            <a:ext cx="10681335" cy="469900"/>
-          </a:xfrm>
-        </p:spPr>
-        <p:txBody>
-          <a:bodyPr/>
-          <a:p>
-            <a:r>
-              <a:rPr dirty="0" sz="2800" lang="en-IN" spc="15">
-                <a:solidFill>
-                  <a:srgbClr val="7030A0"/>
-                </a:solidFill>
-                <a:latin typeface="+mj-lt"/>
-              </a:rPr>
-              <a:t>RESULTS AND SCREENSHOTS </a:t>
-            </a:r>
-            <a:r>
-              <a:rPr dirty="0" sz="2800" lang="en-IN" spc="15" smtClean="0">
-                <a:solidFill>
-                  <a:srgbClr val="7030A0"/>
-                </a:solidFill>
-                <a:latin typeface="+mj-lt"/>
-              </a:rPr>
-              <a:t>OF CONTACT SECTION</a:t>
-            </a:r>
-            <a:endParaRPr dirty="0" sz="2800" lang="en-US">
-              <a:latin typeface="+mj-lt"/>
-            </a:endParaRPr>
-          </a:p>
+          <p:cNvPr id="1048686" name="object 3"/>
+          <p:cNvSpPr/>
+          <p:nvPr/>
+        </p:nvSpPr>
+        <p:spPr>
+          <a:xfrm>
+            <a:off x="9353550" y="5362575"/>
+            <a:ext cx="457200" cy="457200"/>
+          </a:xfrm>
+          <a:custGeom>
+            <a:avLst/>
+            <a:ahLst/>
+            <a:rect l="l" t="t" r="r" b="b"/>
+            <a:pathLst>
+              <a:path w="457200" h="457200">
+                <a:moveTo>
+                  <a:pt x="457200" y="0"/>
+                </a:moveTo>
+                <a:lnTo>
+                  <a:pt x="0" y="0"/>
+                </a:lnTo>
+                <a:lnTo>
+                  <a:pt x="0" y="457200"/>
+                </a:lnTo>
+                <a:lnTo>
+                  <a:pt x="457200" y="457200"/>
+                </a:lnTo>
+                <a:lnTo>
+                  <a:pt x="457200" y="0"/>
+                </a:lnTo>
+                <a:close/>
+              </a:path>
+            </a:pathLst>
+          </a:custGeom>
+          <a:solidFill>
+            <a:srgbClr val="42AF51"/>
+          </a:solidFill>
+        </p:spPr>
+        <p:txBody>
+          <a:bodyPr bIns="0" lIns="0" rIns="0" rtlCol="0" tIns="0" wrap="square"/>
+          <a:p/>
+        </p:txBody>
+      </p:sp>
+      <p:sp>
+        <p:nvSpPr>
+          <p:cNvPr id="1048687" name="object 4"/>
+          <p:cNvSpPr/>
+          <p:nvPr/>
+        </p:nvSpPr>
+        <p:spPr>
+          <a:xfrm>
+            <a:off x="6696075" y="1695450"/>
+            <a:ext cx="314325" cy="323850"/>
+          </a:xfrm>
+          <a:custGeom>
+            <a:avLst/>
+            <a:ahLst/>
+            <a:rect l="l" t="t" r="r" b="b"/>
+            <a:pathLst>
+              <a:path w="314325" h="323850">
+                <a:moveTo>
+                  <a:pt x="314325" y="0"/>
+                </a:moveTo>
+                <a:lnTo>
+                  <a:pt x="0" y="0"/>
+                </a:lnTo>
+                <a:lnTo>
+                  <a:pt x="0" y="323850"/>
+                </a:lnTo>
+                <a:lnTo>
+                  <a:pt x="314325" y="323850"/>
+                </a:lnTo>
+                <a:lnTo>
+                  <a:pt x="314325" y="0"/>
+                </a:lnTo>
+                <a:close/>
+              </a:path>
+            </a:pathLst>
+          </a:custGeom>
+          <a:solidFill>
+            <a:srgbClr val="2D83C3"/>
+          </a:solidFill>
+        </p:spPr>
+        <p:txBody>
+          <a:bodyPr bIns="0" lIns="0" rIns="0" rtlCol="0" tIns="0" wrap="square"/>
+          <a:p/>
+        </p:txBody>
+      </p:sp>
+      <p:sp>
+        <p:nvSpPr>
+          <p:cNvPr id="1048688" name="object 5"/>
+          <p:cNvSpPr/>
+          <p:nvPr/>
+        </p:nvSpPr>
+        <p:spPr>
+          <a:xfrm>
+            <a:off x="9353550" y="5895975"/>
+            <a:ext cx="180975" cy="180975"/>
+          </a:xfrm>
+          <a:custGeom>
+            <a:avLst/>
+            <a:ahLst/>
+            <a:rect l="l" t="t" r="r" b="b"/>
+            <a:pathLst>
+              <a:path w="180975" h="180975">
+                <a:moveTo>
+                  <a:pt x="180975" y="0"/>
+                </a:moveTo>
+                <a:lnTo>
+                  <a:pt x="0" y="0"/>
+                </a:lnTo>
+                <a:lnTo>
+                  <a:pt x="0" y="180975"/>
+                </a:lnTo>
+                <a:lnTo>
+                  <a:pt x="180975" y="180975"/>
+                </a:lnTo>
+                <a:lnTo>
+                  <a:pt x="180975" y="0"/>
+                </a:lnTo>
+                <a:close/>
+              </a:path>
+            </a:pathLst>
+          </a:custGeom>
+          <a:solidFill>
+            <a:srgbClr val="2D936B"/>
+          </a:solidFill>
+        </p:spPr>
+        <p:txBody>
+          <a:bodyPr bIns="0" lIns="0" rIns="0" rtlCol="0" tIns="0" wrap="square"/>
+          <a:p/>
         </p:txBody>
       </p:sp>
       <p:pic>
         <p:nvPicPr>
-          <p:cNvPr id="2097155" name="Picture 3"/>
+          <p:cNvPr id="2097177" name="object 6"/>
           <p:cNvPicPr>
-            <a:picLocks noChangeAspect="1"/>
+            <a:picLocks/>
           </p:cNvPicPr>
           <p:nvPr/>
         </p:nvPicPr>
@@ -3673,34 +3877,149 @@
         </p:blipFill>
         <p:spPr>
           <a:xfrm>
-            <a:off x="1600200" y="1066800"/>
-            <a:ext cx="5790576" cy="5638800"/>
+            <a:off x="1666875" y="6467475"/>
+            <a:ext cx="76200" cy="177800"/>
           </a:xfrm>
           <a:prstGeom prst="rect"/>
         </p:spPr>
       </p:pic>
-      <p:pic>
-        <p:nvPicPr>
-          <p:cNvPr id="2097178" name=""/>
-          <p:cNvPicPr>
-            <a:picLocks/>
-          </p:cNvPicPr>
+      <p:sp>
+        <p:nvSpPr>
+          <p:cNvPr id="1048689" name="object 7"/>
+          <p:cNvSpPr txBox="1">
+            <a:spLocks noGrp="1"/>
+          </p:cNvSpPr>
+          <p:nvPr>
+            <p:ph type="title"/>
+          </p:nvPr>
+        </p:nvSpPr>
+        <p:spPr>
+          <a:xfrm>
+            <a:off x="755332" y="385444"/>
+            <a:ext cx="4578668" cy="483235"/>
+          </a:xfrm>
+          <a:prstGeom prst="rect"/>
+        </p:spPr>
+        <p:txBody>
+          <a:bodyPr bIns="0" lIns="0" rIns="0" rtlCol="0" tIns="13335" vert="horz" wrap="square">
+            <a:spAutoFit/>
+          </a:bodyPr>
+          <a:p>
+            <a:pPr marL="12700">
+              <a:lnSpc>
+                <a:spcPct val="100000"/>
+              </a:lnSpc>
+              <a:spcBef>
+                <a:spcPts val="105"/>
+              </a:spcBef>
+            </a:pPr>
+            <a:r>
+              <a:rPr dirty="0" sz="2800" lang="en-IN">
+                <a:solidFill>
+                  <a:srgbClr val="7030A0"/>
+                </a:solidFill>
+                <a:latin typeface="+mj-lt"/>
+              </a:rPr>
+              <a:t>CONCLUSION</a:t>
+            </a:r>
+            <a:endParaRPr dirty="0" sz="2800">
+              <a:solidFill>
+                <a:srgbClr val="7030A0"/>
+              </a:solidFill>
+              <a:latin typeface="+mj-lt"/>
+            </a:endParaRPr>
+          </a:p>
+        </p:txBody>
+      </p:sp>
+      <p:sp>
+        <p:nvSpPr>
+          <p:cNvPr id="1048690" name="object 9"/>
+          <p:cNvSpPr txBox="1"/>
           <p:nvPr/>
-        </p:nvPicPr>
-        <p:blipFill>
-          <a:blip xmlns:r="http://schemas.openxmlformats.org/officeDocument/2006/relationships" r:embed="rId2"/>
-          <a:stretch>
-            <a:fillRect/>
-          </a:stretch>
-        </p:blipFill>
-        <p:spPr>
-          <a:xfrm>
-            <a:off x="8204587" y="1271011"/>
-            <a:ext cx="2669252" cy="5230379"/>
+        </p:nvSpPr>
+        <p:spPr>
+          <a:xfrm>
+            <a:off x="11277218" y="6473337"/>
+            <a:ext cx="228600" cy="191770"/>
           </a:xfrm>
           <a:prstGeom prst="rect"/>
         </p:spPr>
-      </p:pic>
+        <p:txBody>
+          <a:bodyPr bIns="0" lIns="0" rIns="0" rtlCol="0" tIns="6985" vert="horz" wrap="square">
+            <a:spAutoFit/>
+          </a:bodyPr>
+          <a:p>
+            <a:pPr marL="38100">
+              <a:lnSpc>
+                <a:spcPct val="100000"/>
+              </a:lnSpc>
+              <a:spcBef>
+                <a:spcPts val="55"/>
+              </a:spcBef>
+            </a:pPr>
+            <a:fld id="{81D60167-4931-47E6-BA6A-407CBD079E47}" type="slidenum">
+              <a:rPr dirty="0" sz="1100" spc="10">
+                <a:solidFill>
+                  <a:srgbClr val="2D936B"/>
+                </a:solidFill>
+                <a:latin typeface="Trebuchet MS"/>
+                <a:cs typeface="Trebuchet MS"/>
+              </a:rPr>
+              <a:t>15</a:t>
+            </a:fld>
+            <a:endParaRPr sz="1100">
+              <a:latin typeface="Trebuchet MS"/>
+              <a:cs typeface="Trebuchet MS"/>
+            </a:endParaRPr>
+          </a:p>
+        </p:txBody>
+      </p:sp>
+      <p:sp>
+        <p:nvSpPr>
+          <p:cNvPr id="1048691" name="TextBox 1048710"/>
+          <p:cNvSpPr txBox="1"/>
+          <p:nvPr/>
+        </p:nvSpPr>
+        <p:spPr>
+          <a:xfrm>
+            <a:off x="914400" y="1143000"/>
+            <a:ext cx="10090008" cy="4968239"/>
+          </a:xfrm>
+          <a:prstGeom prst="rect"/>
+        </p:spPr>
+        <p:txBody>
+          <a:bodyPr rtlCol="0" wrap="square">
+            <a:spAutoFit/>
+          </a:bodyPr>
+          <a:p>
+            <a:pPr algn="just">
+              <a:lnSpc>
+                <a:spcPct val="150000"/>
+              </a:lnSpc>
+            </a:pPr>
+            <a:r>
+              <a:rPr dirty="0" sz="2400" lang="en-US" smtClean="0"/>
+              <a:t>	This </a:t>
+            </a:r>
+            <a:r>
+              <a:rPr dirty="0" sz="2400" lang="en-US"/>
+              <a:t>portfolio project is a good way to show skills, learning, and personal details in one place. It looks modern, works on all devices, and is easy to use. The weekly projects show step-by-step progress, which makes it useful for teachers, friends, or employers. It is not only a personal website but also a learning project that proves the use of HTML, CSS, and JavaScript. In the future, it can be improved by adding more projects, a resume, or better features.</a:t>
+            </a:r>
+          </a:p>
+          <a:p>
+            <a:pPr algn="just">
+              <a:lnSpc>
+                <a:spcPct val="150000"/>
+              </a:lnSpc>
+            </a:pPr>
+            <a:endParaRPr dirty="0" sz="2400" lang="en-IN">
+              <a:solidFill>
+                <a:srgbClr val="000000"/>
+              </a:solidFill>
+            </a:endParaRPr>
+          </a:p>
+        </p:txBody>
+      </p:sp>
     </p:spTree>
   </p:cSld>
   <p:clrMapOvr>
@@ -3709,8 +4028,8 @@
 </p:sld>
 </file>
 
-<file path=ppt/slides/slide15.xml><?xml version="1.0" encoding="utf-8"?>
-<p:sld xmlns:a="http://schemas.openxmlformats.org/drawingml/2006/main" xmlns:r="http://schemas.openxmlformats.org/officeDocument/2006/relationships" xmlns:p="http://schemas.openxmlformats.org/presentationml/2006/main">
+<file path=ppt/slides/slide2.xml><?xml version="1.0" encoding="utf-8"?>
+<p:sld xmlns:a="http://schemas.openxmlformats.org/drawingml/2006/main" xmlns:r="http://schemas.openxmlformats.org/officeDocument/2006/relationships" xmlns:p="http://schemas.openxmlformats.org/presentationml/2006/main" showMasterSp="0">
   <p:cSld>
     <p:spTree>
       <p:nvGrpSpPr>
@@ -3728,326 +4047,7 @@
       </p:grpSpPr>
       <p:sp>
         <p:nvSpPr>
-          <p:cNvPr id="1048606" name="object 3"/>
-          <p:cNvSpPr/>
-          <p:nvPr/>
-        </p:nvSpPr>
-        <p:spPr>
-          <a:xfrm>
-            <a:off x="9353550" y="5362575"/>
-            <a:ext cx="457200" cy="457200"/>
-          </a:xfrm>
-          <a:custGeom>
-            <a:avLst/>
-            <a:ahLst/>
-            <a:rect l="l" t="t" r="r" b="b"/>
-            <a:pathLst>
-              <a:path w="457200" h="457200">
-                <a:moveTo>
-                  <a:pt x="457200" y="0"/>
-                </a:moveTo>
-                <a:lnTo>
-                  <a:pt x="0" y="0"/>
-                </a:lnTo>
-                <a:lnTo>
-                  <a:pt x="0" y="457200"/>
-                </a:lnTo>
-                <a:lnTo>
-                  <a:pt x="457200" y="457200"/>
-                </a:lnTo>
-                <a:lnTo>
-                  <a:pt x="457200" y="0"/>
-                </a:lnTo>
-                <a:close/>
-              </a:path>
-            </a:pathLst>
-          </a:custGeom>
-          <a:solidFill>
-            <a:srgbClr val="42AF51"/>
-          </a:solidFill>
-        </p:spPr>
-        <p:txBody>
-          <a:bodyPr bIns="0" lIns="0" rIns="0" rtlCol="0" tIns="0" wrap="square"/>
-          <a:p/>
-        </p:txBody>
-      </p:sp>
-      <p:sp>
-        <p:nvSpPr>
-          <p:cNvPr id="1048607" name="object 4"/>
-          <p:cNvSpPr/>
-          <p:nvPr/>
-        </p:nvSpPr>
-        <p:spPr>
-          <a:xfrm>
-            <a:off x="6696075" y="1695450"/>
-            <a:ext cx="314325" cy="323850"/>
-          </a:xfrm>
-          <a:custGeom>
-            <a:avLst/>
-            <a:ahLst/>
-            <a:rect l="l" t="t" r="r" b="b"/>
-            <a:pathLst>
-              <a:path w="314325" h="323850">
-                <a:moveTo>
-                  <a:pt x="314325" y="0"/>
-                </a:moveTo>
-                <a:lnTo>
-                  <a:pt x="0" y="0"/>
-                </a:lnTo>
-                <a:lnTo>
-                  <a:pt x="0" y="323850"/>
-                </a:lnTo>
-                <a:lnTo>
-                  <a:pt x="314325" y="323850"/>
-                </a:lnTo>
-                <a:lnTo>
-                  <a:pt x="314325" y="0"/>
-                </a:lnTo>
-                <a:close/>
-              </a:path>
-            </a:pathLst>
-          </a:custGeom>
-          <a:solidFill>
-            <a:srgbClr val="2D83C3"/>
-          </a:solidFill>
-        </p:spPr>
-        <p:txBody>
-          <a:bodyPr bIns="0" lIns="0" rIns="0" rtlCol="0" tIns="0" wrap="square"/>
-          <a:p/>
-        </p:txBody>
-      </p:sp>
-      <p:sp>
-        <p:nvSpPr>
-          <p:cNvPr id="1048608" name="object 5"/>
-          <p:cNvSpPr/>
-          <p:nvPr/>
-        </p:nvSpPr>
-        <p:spPr>
-          <a:xfrm>
-            <a:off x="9353550" y="5895975"/>
-            <a:ext cx="180975" cy="180975"/>
-          </a:xfrm>
-          <a:custGeom>
-            <a:avLst/>
-            <a:ahLst/>
-            <a:rect l="l" t="t" r="r" b="b"/>
-            <a:pathLst>
-              <a:path w="180975" h="180975">
-                <a:moveTo>
-                  <a:pt x="180975" y="0"/>
-                </a:moveTo>
-                <a:lnTo>
-                  <a:pt x="0" y="0"/>
-                </a:lnTo>
-                <a:lnTo>
-                  <a:pt x="0" y="180975"/>
-                </a:lnTo>
-                <a:lnTo>
-                  <a:pt x="180975" y="180975"/>
-                </a:lnTo>
-                <a:lnTo>
-                  <a:pt x="180975" y="0"/>
-                </a:lnTo>
-                <a:close/>
-              </a:path>
-            </a:pathLst>
-          </a:custGeom>
-          <a:solidFill>
-            <a:srgbClr val="2D936B"/>
-          </a:solidFill>
-        </p:spPr>
-        <p:txBody>
-          <a:bodyPr bIns="0" lIns="0" rIns="0" rtlCol="0" tIns="0" wrap="square"/>
-          <a:p/>
-        </p:txBody>
-      </p:sp>
-      <p:pic>
-        <p:nvPicPr>
-          <p:cNvPr id="2097158" name="object 6"/>
-          <p:cNvPicPr>
-            <a:picLocks/>
-          </p:cNvPicPr>
-          <p:nvPr/>
-        </p:nvPicPr>
-        <p:blipFill>
-          <a:blip xmlns:r="http://schemas.openxmlformats.org/officeDocument/2006/relationships" r:embed="rId1" cstate="print"/>
-          <a:stretch>
-            <a:fillRect/>
-          </a:stretch>
-        </p:blipFill>
-        <p:spPr>
-          <a:xfrm>
-            <a:off x="1666875" y="6467475"/>
-            <a:ext cx="76200" cy="177800"/>
-          </a:xfrm>
-          <a:prstGeom prst="rect"/>
-        </p:spPr>
-      </p:pic>
-      <p:sp>
-        <p:nvSpPr>
-          <p:cNvPr id="1048609" name="object 7"/>
-          <p:cNvSpPr txBox="1">
-            <a:spLocks noGrp="1"/>
-          </p:cNvSpPr>
-          <p:nvPr>
-            <p:ph type="title"/>
-          </p:nvPr>
-        </p:nvSpPr>
-        <p:spPr>
-          <a:xfrm>
-            <a:off x="755332" y="385444"/>
-            <a:ext cx="4578668" cy="483235"/>
-          </a:xfrm>
-          <a:prstGeom prst="rect"/>
-        </p:spPr>
-        <p:txBody>
-          <a:bodyPr bIns="0" lIns="0" rIns="0" rtlCol="0" tIns="13335" vert="horz" wrap="square">
-            <a:spAutoFit/>
-          </a:bodyPr>
-          <a:p>
-            <a:pPr marL="12700">
-              <a:lnSpc>
-                <a:spcPct val="100000"/>
-              </a:lnSpc>
-              <a:spcBef>
-                <a:spcPts val="105"/>
-              </a:spcBef>
-            </a:pPr>
-            <a:r>
-              <a:rPr dirty="0" sz="2800" lang="en-IN">
-                <a:solidFill>
-                  <a:srgbClr val="7030A0"/>
-                </a:solidFill>
-                <a:latin typeface="+mj-lt"/>
-              </a:rPr>
-              <a:t>CONCLUSION</a:t>
-            </a:r>
-            <a:endParaRPr dirty="0" sz="2800">
-              <a:solidFill>
-                <a:srgbClr val="7030A0"/>
-              </a:solidFill>
-              <a:latin typeface="+mj-lt"/>
-            </a:endParaRPr>
-          </a:p>
-        </p:txBody>
-      </p:sp>
-      <p:sp>
-        <p:nvSpPr>
-          <p:cNvPr id="1048610" name="object 9"/>
-          <p:cNvSpPr txBox="1"/>
-          <p:nvPr/>
-        </p:nvSpPr>
-        <p:spPr>
-          <a:xfrm>
-            <a:off x="11277218" y="6473337"/>
-            <a:ext cx="228600" cy="191770"/>
-          </a:xfrm>
-          <a:prstGeom prst="rect"/>
-        </p:spPr>
-        <p:txBody>
-          <a:bodyPr bIns="0" lIns="0" rIns="0" rtlCol="0" tIns="6985" vert="horz" wrap="square">
-            <a:spAutoFit/>
-          </a:bodyPr>
-          <a:p>
-            <a:pPr marL="38100">
-              <a:lnSpc>
-                <a:spcPct val="100000"/>
-              </a:lnSpc>
-              <a:spcBef>
-                <a:spcPts val="55"/>
-              </a:spcBef>
-            </a:pPr>
-            <a:fld id="{81D60167-4931-47E6-BA6A-407CBD079E47}" type="slidenum">
-              <a:rPr dirty="0" sz="1100" spc="10">
-                <a:solidFill>
-                  <a:srgbClr val="2D936B"/>
-                </a:solidFill>
-                <a:latin typeface="Trebuchet MS"/>
-                <a:cs typeface="Trebuchet MS"/>
-              </a:rPr>
-              <a:t>15</a:t>
-            </a:fld>
-            <a:endParaRPr sz="1100">
-              <a:latin typeface="Trebuchet MS"/>
-              <a:cs typeface="Trebuchet MS"/>
-            </a:endParaRPr>
-          </a:p>
-        </p:txBody>
-      </p:sp>
-      <p:sp>
-        <p:nvSpPr>
-          <p:cNvPr id="1048611" name="TextBox 1048710"/>
-          <p:cNvSpPr txBox="1"/>
-          <p:nvPr/>
-        </p:nvSpPr>
-        <p:spPr>
-          <a:xfrm>
-            <a:off x="914400" y="1143000"/>
-            <a:ext cx="7743734" cy="6187440"/>
-          </a:xfrm>
-          <a:prstGeom prst="rect"/>
-        </p:spPr>
-        <p:txBody>
-          <a:bodyPr rtlCol="0" wrap="square">
-            <a:spAutoFit/>
-          </a:bodyPr>
-          <a:p>
-            <a:pPr algn="just">
-              <a:lnSpc>
-                <a:spcPct val="150000"/>
-              </a:lnSpc>
-            </a:pPr>
-            <a:r>
-              <a:rPr dirty="0" sz="2400" lang="en-US" smtClean="0"/>
-              <a:t>	This </a:t>
-            </a:r>
-            <a:r>
-              <a:rPr dirty="0" sz="2400" lang="en-US"/>
-              <a:t>portfolio project is a good way to show skills, learning, and personal details in one place. It looks modern, works on all devices, and is easy to use. The weekly projects show step-by-step progress, which makes it useful for teachers, friends, or employers. It is not only a personal website but also a learning project that proves the use of HTML, CSS, and JavaScript. In the future, it can be improved by adding more projects, a resume, or better features.</a:t>
-            </a:r>
-          </a:p>
-          <a:p>
-            <a:pPr algn="just">
-              <a:lnSpc>
-                <a:spcPct val="150000"/>
-              </a:lnSpc>
-            </a:pPr>
-            <a:endParaRPr dirty="0" sz="2400" lang="en-IN">
-              <a:solidFill>
-                <a:srgbClr val="000000"/>
-              </a:solidFill>
-            </a:endParaRPr>
-          </a:p>
-        </p:txBody>
-      </p:sp>
-    </p:spTree>
-  </p:cSld>
-  <p:clrMapOvr>
-    <a:masterClrMapping/>
-  </p:clrMapOvr>
-</p:sld>
-</file>
-
-<file path=ppt/slides/slide2.xml><?xml version="1.0" encoding="utf-8"?>
-<p:sld xmlns:a="http://schemas.openxmlformats.org/drawingml/2006/main" xmlns:r="http://schemas.openxmlformats.org/officeDocument/2006/relationships" xmlns:p="http://schemas.openxmlformats.org/presentationml/2006/main" showMasterSp="0">
-  <p:cSld>
-    <p:spTree>
-      <p:nvGrpSpPr>
-        <p:cNvPr id="36" name=""/>
-        <p:cNvGrpSpPr/>
-        <p:nvPr/>
-      </p:nvGrpSpPr>
-      <p:grpSpPr>
-        <a:xfrm>
-          <a:off x="0" y="0"/>
-          <a:ext cx="0" cy="0"/>
-          <a:chOff x="0" y="0"/>
-          <a:chExt cx="0" cy="0"/>
-        </a:xfrm>
-      </p:grpSpPr>
-      <p:sp>
-        <p:nvSpPr>
-          <p:cNvPr id="1048629" name="object 2"/>
+          <p:cNvPr id="1048610" name="object 2"/>
           <p:cNvSpPr/>
           <p:nvPr/>
         </p:nvSpPr>
@@ -4096,7 +4096,7 @@
       </p:sp>
       <p:grpSp>
         <p:nvGrpSpPr>
-          <p:cNvPr id="37" name="object 3"/>
+          <p:cNvPr id="30" name="object 3"/>
           <p:cNvGrpSpPr/>
           <p:nvPr/>
         </p:nvGrpSpPr>
@@ -4110,7 +4110,7 @@
         </p:grpSpPr>
         <p:sp>
           <p:nvSpPr>
-            <p:cNvPr id="1048630" name="object 4"/>
+            <p:cNvPr id="1048611" name="object 4"/>
             <p:cNvSpPr/>
             <p:nvPr/>
           </p:nvSpPr>
@@ -4147,7 +4147,7 @@
         </p:sp>
         <p:sp>
           <p:nvSpPr>
-            <p:cNvPr id="1048631" name="object 5"/>
+            <p:cNvPr id="1048612" name="object 5"/>
             <p:cNvSpPr/>
             <p:nvPr/>
           </p:nvSpPr>
@@ -4184,7 +4184,7 @@
         </p:sp>
         <p:sp>
           <p:nvSpPr>
-            <p:cNvPr id="1048632" name="object 6"/>
+            <p:cNvPr id="1048613" name="object 6"/>
             <p:cNvSpPr/>
             <p:nvPr/>
           </p:nvSpPr>
@@ -4231,7 +4231,7 @@
         </p:sp>
         <p:sp>
           <p:nvSpPr>
-            <p:cNvPr id="1048633" name="object 7"/>
+            <p:cNvPr id="1048614" name="object 7"/>
             <p:cNvSpPr/>
             <p:nvPr/>
           </p:nvSpPr>
@@ -4278,7 +4278,7 @@
         </p:sp>
         <p:sp>
           <p:nvSpPr>
-            <p:cNvPr id="1048634" name="object 8"/>
+            <p:cNvPr id="1048615" name="object 8"/>
             <p:cNvSpPr/>
             <p:nvPr/>
           </p:nvSpPr>
@@ -4322,7 +4322,7 @@
         </p:sp>
         <p:sp>
           <p:nvSpPr>
-            <p:cNvPr id="1048635" name="object 9"/>
+            <p:cNvPr id="1048616" name="object 9"/>
             <p:cNvSpPr/>
             <p:nvPr/>
           </p:nvSpPr>
@@ -4369,7 +4369,7 @@
         </p:sp>
         <p:sp>
           <p:nvSpPr>
-            <p:cNvPr id="1048636" name="object 10"/>
+            <p:cNvPr id="1048617" name="object 10"/>
             <p:cNvSpPr/>
             <p:nvPr/>
           </p:nvSpPr>
@@ -4416,7 +4416,7 @@
         </p:sp>
         <p:sp>
           <p:nvSpPr>
-            <p:cNvPr id="1048637" name="object 11"/>
+            <p:cNvPr id="1048618" name="object 11"/>
             <p:cNvSpPr/>
             <p:nvPr/>
           </p:nvSpPr>
@@ -4463,7 +4463,7 @@
         </p:sp>
         <p:sp>
           <p:nvSpPr>
-            <p:cNvPr id="1048638" name="object 12"/>
+            <p:cNvPr id="1048619" name="object 12"/>
             <p:cNvSpPr/>
             <p:nvPr/>
           </p:nvSpPr>
@@ -4508,7 +4508,7 @@
       </p:grpSp>
       <p:sp>
         <p:nvSpPr>
-          <p:cNvPr id="1048639" name="object 13"/>
+          <p:cNvPr id="1048620" name="object 13"/>
           <p:cNvSpPr/>
           <p:nvPr/>
         </p:nvSpPr>
@@ -4552,7 +4552,7 @@
       </p:sp>
       <p:sp>
         <p:nvSpPr>
-          <p:cNvPr id="1048640" name="object 14"/>
+          <p:cNvPr id="1048621" name="object 14"/>
           <p:cNvSpPr/>
           <p:nvPr/>
         </p:nvSpPr>
@@ -4597,7 +4597,7 @@
       </p:sp>
       <p:sp>
         <p:nvSpPr>
-          <p:cNvPr id="1048641" name="object 15"/>
+          <p:cNvPr id="1048622" name="object 15"/>
           <p:cNvSpPr/>
           <p:nvPr/>
         </p:nvSpPr>
@@ -4642,7 +4642,7 @@
       </p:sp>
       <p:sp>
         <p:nvSpPr>
-          <p:cNvPr id="1048642" name="object 16"/>
+          <p:cNvPr id="1048623" name="object 16"/>
           <p:cNvSpPr/>
           <p:nvPr/>
         </p:nvSpPr>
@@ -4687,7 +4687,7 @@
       </p:sp>
       <p:sp>
         <p:nvSpPr>
-          <p:cNvPr id="1048643" name="object 17"/>
+          <p:cNvPr id="1048624" name="object 17"/>
           <p:cNvSpPr txBox="1">
             <a:spLocks noGrp="1"/>
           </p:cNvSpPr>
@@ -4698,7 +4698,7 @@
         <p:spPr>
           <a:xfrm>
             <a:off x="1295400" y="2438400"/>
-            <a:ext cx="8794750" cy="878446"/>
+            <a:ext cx="8794750" cy="956310"/>
           </a:xfrm>
           <a:prstGeom prst="rect"/>
         </p:spPr>
@@ -4771,7 +4771,7 @@
       </p:sp>
       <p:grpSp>
         <p:nvGrpSpPr>
-          <p:cNvPr id="38" name="object 18"/>
+          <p:cNvPr id="31" name="object 18"/>
           <p:cNvGrpSpPr/>
           <p:nvPr/>
         </p:nvGrpSpPr>
@@ -4785,7 +4785,7 @@
         </p:grpSpPr>
         <p:pic>
           <p:nvPicPr>
-            <p:cNvPr id="2097160" name="object 19"/>
+            <p:cNvPr id="2097153" name="object 19"/>
             <p:cNvPicPr>
               <a:picLocks/>
             </p:cNvPicPr>
@@ -4807,7 +4807,7 @@
         </p:pic>
         <p:pic>
           <p:nvPicPr>
-            <p:cNvPr id="2097161" name="object 20"/>
+            <p:cNvPr id="2097154" name="object 20"/>
             <p:cNvPicPr>
               <a:picLocks/>
             </p:cNvPicPr>
@@ -4830,7 +4830,7 @@
       </p:grpSp>
       <p:sp>
         <p:nvSpPr>
-          <p:cNvPr id="1048644" name="object 22"/>
+          <p:cNvPr id="1048625" name="object 22"/>
           <p:cNvSpPr txBox="1">
             <a:spLocks noGrp="1"/>
           </p:cNvSpPr>
@@ -4875,7 +4875,7 @@
   <p:cSld>
     <p:spTree>
       <p:nvGrpSpPr>
-        <p:cNvPr id="39" name=""/>
+        <p:cNvPr id="32" name=""/>
         <p:cNvGrpSpPr/>
         <p:nvPr/>
       </p:nvGrpSpPr>
@@ -4889,7 +4889,7 @@
       </p:grpSpPr>
       <p:sp>
         <p:nvSpPr>
-          <p:cNvPr id="1048645" name="object 2"/>
+          <p:cNvPr id="1048626" name="object 2"/>
           <p:cNvSpPr/>
           <p:nvPr/>
         </p:nvSpPr>
@@ -4936,7 +4936,7 @@
       </p:sp>
       <p:grpSp>
         <p:nvGrpSpPr>
-          <p:cNvPr id="40" name="object 3"/>
+          <p:cNvPr id="33" name="object 3"/>
           <p:cNvGrpSpPr/>
           <p:nvPr/>
         </p:nvGrpSpPr>
@@ -4950,7 +4950,7 @@
         </p:grpSpPr>
         <p:sp>
           <p:nvSpPr>
-            <p:cNvPr id="1048646" name="object 4"/>
+            <p:cNvPr id="1048627" name="object 4"/>
             <p:cNvSpPr/>
             <p:nvPr/>
           </p:nvSpPr>
@@ -4987,7 +4987,7 @@
         </p:sp>
         <p:sp>
           <p:nvSpPr>
-            <p:cNvPr id="1048647" name="object 5"/>
+            <p:cNvPr id="1048628" name="object 5"/>
             <p:cNvSpPr/>
             <p:nvPr/>
           </p:nvSpPr>
@@ -5024,7 +5024,7 @@
         </p:sp>
         <p:sp>
           <p:nvSpPr>
-            <p:cNvPr id="1048648" name="object 6"/>
+            <p:cNvPr id="1048629" name="object 6"/>
             <p:cNvSpPr/>
             <p:nvPr/>
           </p:nvSpPr>
@@ -5071,7 +5071,7 @@
         </p:sp>
         <p:sp>
           <p:nvSpPr>
-            <p:cNvPr id="1048649" name="object 7"/>
+            <p:cNvPr id="1048630" name="object 7"/>
             <p:cNvSpPr/>
             <p:nvPr/>
           </p:nvSpPr>
@@ -5118,7 +5118,7 @@
         </p:sp>
         <p:sp>
           <p:nvSpPr>
-            <p:cNvPr id="1048650" name="object 8"/>
+            <p:cNvPr id="1048631" name="object 8"/>
             <p:cNvSpPr/>
             <p:nvPr/>
           </p:nvSpPr>
@@ -5162,7 +5162,7 @@
         </p:sp>
         <p:sp>
           <p:nvSpPr>
-            <p:cNvPr id="1048651" name="object 9"/>
+            <p:cNvPr id="1048632" name="object 9"/>
             <p:cNvSpPr/>
             <p:nvPr/>
           </p:nvSpPr>
@@ -5209,7 +5209,7 @@
         </p:sp>
         <p:sp>
           <p:nvSpPr>
-            <p:cNvPr id="1048652" name="object 10"/>
+            <p:cNvPr id="1048633" name="object 10"/>
             <p:cNvSpPr/>
             <p:nvPr/>
           </p:nvSpPr>
@@ -5256,7 +5256,7 @@
         </p:sp>
         <p:sp>
           <p:nvSpPr>
-            <p:cNvPr id="1048653" name="object 11"/>
+            <p:cNvPr id="1048634" name="object 11"/>
             <p:cNvSpPr/>
             <p:nvPr/>
           </p:nvSpPr>
@@ -5303,7 +5303,7 @@
         </p:sp>
         <p:sp>
           <p:nvSpPr>
-            <p:cNvPr id="1048654" name="object 12"/>
+            <p:cNvPr id="1048635" name="object 12"/>
             <p:cNvSpPr/>
             <p:nvPr/>
           </p:nvSpPr>
@@ -5348,7 +5348,7 @@
       </p:grpSp>
       <p:sp>
         <p:nvSpPr>
-          <p:cNvPr id="1048655" name="object 13"/>
+          <p:cNvPr id="1048636" name="object 13"/>
           <p:cNvSpPr/>
           <p:nvPr/>
         </p:nvSpPr>
@@ -5392,7 +5392,7 @@
       </p:sp>
       <p:sp>
         <p:nvSpPr>
-          <p:cNvPr id="1048656" name="object 14"/>
+          <p:cNvPr id="1048637" name="object 14"/>
           <p:cNvSpPr txBox="1"/>
           <p:nvPr/>
         </p:nvSpPr>
@@ -5562,7 +5562,7 @@
       </p:sp>
       <p:sp>
         <p:nvSpPr>
-          <p:cNvPr id="1048657" name="object 15"/>
+          <p:cNvPr id="1048638" name="object 15"/>
           <p:cNvSpPr/>
           <p:nvPr/>
         </p:nvSpPr>
@@ -5667,7 +5667,7 @@
       </p:sp>
       <p:sp>
         <p:nvSpPr>
-          <p:cNvPr id="1048658" name="object 16"/>
+          <p:cNvPr id="1048639" name="object 16"/>
           <p:cNvSpPr/>
           <p:nvPr/>
         </p:nvSpPr>
@@ -5832,7 +5832,7 @@
       </p:sp>
       <p:pic>
         <p:nvPicPr>
-          <p:cNvPr id="2097162" name="object 17"/>
+          <p:cNvPr id="2097155" name="object 17"/>
           <p:cNvPicPr>
             <a:picLocks/>
           </p:cNvPicPr>
@@ -5854,7 +5854,7 @@
       </p:pic>
       <p:grpSp>
         <p:nvGrpSpPr>
-          <p:cNvPr id="41" name="object 18"/>
+          <p:cNvPr id="34" name="object 18"/>
           <p:cNvGrpSpPr/>
           <p:nvPr/>
         </p:nvGrpSpPr>
@@ -5868,7 +5868,7 @@
         </p:grpSpPr>
         <p:pic>
           <p:nvPicPr>
-            <p:cNvPr id="2097163" name="object 19"/>
+            <p:cNvPr id="2097156" name="object 19"/>
             <p:cNvPicPr>
               <a:picLocks/>
             </p:cNvPicPr>
@@ -5890,7 +5890,7 @@
         </p:pic>
         <p:pic>
           <p:nvPicPr>
-            <p:cNvPr id="2097164" name="object 20"/>
+            <p:cNvPr id="2097157" name="object 20"/>
             <p:cNvPicPr>
               <a:picLocks/>
             </p:cNvPicPr>
@@ -5913,7 +5913,7 @@
       </p:grpSp>
       <p:sp>
         <p:nvSpPr>
-          <p:cNvPr id="1048659" name="object 21"/>
+          <p:cNvPr id="1048640" name="object 21"/>
           <p:cNvSpPr txBox="1">
             <a:spLocks noGrp="1"/>
           </p:cNvSpPr>
@@ -5924,7 +5924,7 @@
         <p:spPr>
           <a:xfrm>
             <a:off x="739775" y="445388"/>
-            <a:ext cx="4504342" cy="444352"/>
+            <a:ext cx="4504342" cy="483235"/>
           </a:xfrm>
           <a:prstGeom prst="rect"/>
         </p:spPr>
@@ -5976,7 +5976,7 @@
       </p:sp>
       <p:sp>
         <p:nvSpPr>
-          <p:cNvPr id="1048660" name="object 22"/>
+          <p:cNvPr id="1048641" name="object 22"/>
           <p:cNvSpPr txBox="1">
             <a:spLocks noGrp="1"/>
           </p:cNvSpPr>
@@ -6010,14 +6010,14 @@
       </p:sp>
       <p:sp>
         <p:nvSpPr>
-          <p:cNvPr id="1048661" name="TextBox 22"/>
+          <p:cNvPr id="1048642" name="TextBox 22"/>
           <p:cNvSpPr txBox="1"/>
           <p:nvPr/>
         </p:nvSpPr>
         <p:spPr>
           <a:xfrm>
             <a:off x="1905000" y="963454"/>
-            <a:ext cx="5029200" cy="5170646"/>
+            <a:ext cx="5029200" cy="5539740"/>
           </a:xfrm>
           <a:prstGeom prst="rect"/>
           <a:noFill/>
@@ -6296,7 +6296,7 @@
   <p:cSld>
     <p:spTree>
       <p:nvGrpSpPr>
-        <p:cNvPr id="42" name=""/>
+        <p:cNvPr id="35" name=""/>
         <p:cNvGrpSpPr/>
         <p:nvPr/>
       </p:nvGrpSpPr>
@@ -6310,7 +6310,7 @@
       </p:grpSpPr>
       <p:grpSp>
         <p:nvGrpSpPr>
-          <p:cNvPr id="43" name="object 2"/>
+          <p:cNvPr id="36" name="object 2"/>
           <p:cNvGrpSpPr/>
           <p:nvPr/>
         </p:nvGrpSpPr>
@@ -6324,7 +6324,7 @@
         </p:grpSpPr>
         <p:sp>
           <p:nvSpPr>
-            <p:cNvPr id="1048662" name="object 3"/>
+            <p:cNvPr id="1048643" name="object 3"/>
             <p:cNvSpPr/>
             <p:nvPr/>
           </p:nvSpPr>
@@ -6369,7 +6369,7 @@
         </p:sp>
         <p:sp>
           <p:nvSpPr>
-            <p:cNvPr id="1048663" name="object 4"/>
+            <p:cNvPr id="1048644" name="object 4"/>
             <p:cNvSpPr/>
             <p:nvPr/>
           </p:nvSpPr>
@@ -6414,7 +6414,7 @@
         </p:sp>
         <p:pic>
           <p:nvPicPr>
-            <p:cNvPr id="2097165" name="object 5"/>
+            <p:cNvPr id="2097158" name="object 5"/>
             <p:cNvPicPr>
               <a:picLocks/>
             </p:cNvPicPr>
@@ -6437,7 +6437,7 @@
       </p:grpSp>
       <p:sp>
         <p:nvSpPr>
-          <p:cNvPr id="1048664" name="object 6"/>
+          <p:cNvPr id="1048645" name="object 6"/>
           <p:cNvSpPr/>
           <p:nvPr/>
         </p:nvSpPr>
@@ -6482,7 +6482,7 @@
       </p:sp>
       <p:sp>
         <p:nvSpPr>
-          <p:cNvPr id="1048665" name="object 7"/>
+          <p:cNvPr id="1048646" name="object 7"/>
           <p:cNvSpPr txBox="1">
             <a:spLocks noGrp="1"/>
           </p:cNvSpPr>
@@ -6493,7 +6493,7 @@
         <p:spPr>
           <a:xfrm>
             <a:off x="834072" y="575055"/>
-            <a:ext cx="8396021" cy="447558"/>
+            <a:ext cx="8396021" cy="486410"/>
           </a:xfrm>
           <a:prstGeom prst="rect"/>
         </p:spPr>
@@ -6593,7 +6593,7 @@
       </p:sp>
       <p:pic>
         <p:nvPicPr>
-          <p:cNvPr id="2097166" name="object 8"/>
+          <p:cNvPr id="2097159" name="object 8"/>
           <p:cNvPicPr>
             <a:picLocks/>
           </p:cNvPicPr>
@@ -6615,7 +6615,7 @@
       </p:pic>
       <p:sp>
         <p:nvSpPr>
-          <p:cNvPr id="1048666" name="object 10"/>
+          <p:cNvPr id="1048647" name="object 10"/>
           <p:cNvSpPr txBox="1">
             <a:spLocks noGrp="1"/>
           </p:cNvSpPr>
@@ -6649,14 +6649,14 @@
       </p:sp>
       <p:sp>
         <p:nvSpPr>
-          <p:cNvPr id="1048667" name="TextBox 1048704"/>
+          <p:cNvPr id="1048648" name="TextBox 1048704"/>
           <p:cNvSpPr txBox="1"/>
           <p:nvPr/>
         </p:nvSpPr>
         <p:spPr>
           <a:xfrm>
             <a:off x="1371600" y="1273394"/>
-            <a:ext cx="5824583" cy="5122941"/>
+            <a:ext cx="6716468" cy="5044440"/>
           </a:xfrm>
           <a:prstGeom prst="rect"/>
         </p:spPr>
@@ -6699,7 +6699,7 @@
   <p:cSld>
     <p:spTree>
       <p:nvGrpSpPr>
-        <p:cNvPr id="46" name=""/>
+        <p:cNvPr id="39" name=""/>
         <p:cNvGrpSpPr/>
         <p:nvPr/>
       </p:nvGrpSpPr>
@@ -6713,7 +6713,7 @@
       </p:grpSpPr>
       <p:grpSp>
         <p:nvGrpSpPr>
-          <p:cNvPr id="47" name="object 2"/>
+          <p:cNvPr id="40" name="object 2"/>
           <p:cNvGrpSpPr/>
           <p:nvPr/>
         </p:nvGrpSpPr>
@@ -6727,7 +6727,7 @@
         </p:grpSpPr>
         <p:sp>
           <p:nvSpPr>
-            <p:cNvPr id="1048669" name="object 3"/>
+            <p:cNvPr id="1048650" name="object 3"/>
             <p:cNvSpPr/>
             <p:nvPr/>
           </p:nvSpPr>
@@ -6772,7 +6772,7 @@
         </p:sp>
         <p:sp>
           <p:nvSpPr>
-            <p:cNvPr id="1048670" name="object 4"/>
+            <p:cNvPr id="1048651" name="object 4"/>
             <p:cNvSpPr/>
             <p:nvPr/>
           </p:nvSpPr>
@@ -6817,7 +6817,7 @@
         </p:sp>
         <p:pic>
           <p:nvPicPr>
-            <p:cNvPr id="2097167" name="object 5"/>
+            <p:cNvPr id="2097160" name="object 5"/>
             <p:cNvPicPr>
               <a:picLocks/>
             </p:cNvPicPr>
@@ -6840,7 +6840,7 @@
       </p:grpSp>
       <p:sp>
         <p:nvSpPr>
-          <p:cNvPr id="1048671" name="object 6"/>
+          <p:cNvPr id="1048652" name="object 6"/>
           <p:cNvSpPr/>
           <p:nvPr/>
         </p:nvSpPr>
@@ -6885,7 +6885,7 @@
       </p:sp>
       <p:sp>
         <p:nvSpPr>
-          <p:cNvPr id="1048672" name="object 7"/>
+          <p:cNvPr id="1048653" name="object 7"/>
           <p:cNvSpPr txBox="1">
             <a:spLocks noGrp="1"/>
           </p:cNvSpPr>
@@ -6896,7 +6896,7 @@
         <p:spPr>
           <a:xfrm>
             <a:off x="739775" y="829627"/>
-            <a:ext cx="5263515" cy="596189"/>
+            <a:ext cx="5263515" cy="721360"/>
           </a:xfrm>
           <a:prstGeom prst="rect"/>
         </p:spPr>
@@ -6954,7 +6954,7 @@
       </p:sp>
       <p:pic>
         <p:nvPicPr>
-          <p:cNvPr id="2097168" name="object 8"/>
+          <p:cNvPr id="2097161" name="object 8"/>
           <p:cNvPicPr>
             <a:picLocks/>
           </p:cNvPicPr>
@@ -6976,7 +6976,7 @@
       </p:pic>
       <p:sp>
         <p:nvSpPr>
-          <p:cNvPr id="1048673" name="object 10"/>
+          <p:cNvPr id="1048654" name="object 10"/>
           <p:cNvSpPr txBox="1">
             <a:spLocks noGrp="1"/>
           </p:cNvSpPr>
@@ -7010,14 +7010,14 @@
       </p:sp>
       <p:sp>
         <p:nvSpPr>
-          <p:cNvPr id="1048674" name="TextBox 1048705"/>
+          <p:cNvPr id="1048655" name="TextBox 1048705"/>
           <p:cNvSpPr txBox="1"/>
           <p:nvPr/>
         </p:nvSpPr>
         <p:spPr>
           <a:xfrm>
             <a:off x="762000" y="1664791"/>
-            <a:ext cx="7215272" cy="4524315"/>
+            <a:ext cx="8263022" cy="4968241"/>
           </a:xfrm>
           <a:prstGeom prst="rect"/>
         </p:spPr>
@@ -7080,7 +7080,7 @@
   <p:cSld>
     <p:spTree>
       <p:nvGrpSpPr>
-        <p:cNvPr id="48" name=""/>
+        <p:cNvPr id="41" name=""/>
         <p:cNvGrpSpPr/>
         <p:nvPr/>
       </p:nvGrpSpPr>
@@ -7094,7 +7094,7 @@
       </p:grpSpPr>
       <p:sp>
         <p:nvSpPr>
-          <p:cNvPr id="1048675" name="object 2"/>
+          <p:cNvPr id="1048656" name="object 2"/>
           <p:cNvSpPr/>
           <p:nvPr/>
         </p:nvSpPr>
@@ -7139,7 +7139,7 @@
       </p:sp>
       <p:sp>
         <p:nvSpPr>
-          <p:cNvPr id="1048676" name="object 3"/>
+          <p:cNvPr id="1048657" name="object 3"/>
           <p:cNvSpPr/>
           <p:nvPr/>
         </p:nvSpPr>
@@ -7184,7 +7184,7 @@
       </p:sp>
       <p:sp>
         <p:nvSpPr>
-          <p:cNvPr id="1048677" name="object 4"/>
+          <p:cNvPr id="1048658" name="object 4"/>
           <p:cNvSpPr/>
           <p:nvPr/>
         </p:nvSpPr>
@@ -7229,7 +7229,7 @@
       </p:sp>
       <p:sp>
         <p:nvSpPr>
-          <p:cNvPr id="1048678" name="object 5"/>
+          <p:cNvPr id="1048659" name="object 5"/>
           <p:cNvSpPr txBox="1">
             <a:spLocks noGrp="1"/>
           </p:cNvSpPr>
@@ -7240,7 +7240,7 @@
         <p:spPr>
           <a:xfrm>
             <a:off x="699452" y="891793"/>
-            <a:ext cx="5014595" cy="447558"/>
+            <a:ext cx="5014595" cy="486410"/>
           </a:xfrm>
           <a:prstGeom prst="rect"/>
         </p:spPr>
@@ -7448,7 +7448,7 @@
       </p:sp>
       <p:pic>
         <p:nvPicPr>
-          <p:cNvPr id="2097169" name="object 6"/>
+          <p:cNvPr id="2097162" name="object 6"/>
           <p:cNvPicPr>
             <a:picLocks/>
           </p:cNvPicPr>
@@ -7470,7 +7470,7 @@
       </p:pic>
       <p:sp>
         <p:nvSpPr>
-          <p:cNvPr id="1048679" name="object 8"/>
+          <p:cNvPr id="1048660" name="object 8"/>
           <p:cNvSpPr txBox="1">
             <a:spLocks noGrp="1"/>
           </p:cNvSpPr>
@@ -7504,14 +7504,14 @@
       </p:sp>
       <p:sp>
         <p:nvSpPr>
-          <p:cNvPr id="1048680" name="TextBox 1048706"/>
+          <p:cNvPr id="1048661" name="TextBox 1048706"/>
           <p:cNvSpPr txBox="1"/>
           <p:nvPr/>
         </p:nvSpPr>
         <p:spPr>
           <a:xfrm>
             <a:off x="1050991" y="2304798"/>
-            <a:ext cx="7786877" cy="3913059"/>
+            <a:ext cx="7786877" cy="4358640"/>
           </a:xfrm>
           <a:prstGeom prst="rect"/>
         </p:spPr>
@@ -7578,7 +7578,7 @@
   <p:cSld>
     <p:spTree>
       <p:nvGrpSpPr>
-        <p:cNvPr id="49" name=""/>
+        <p:cNvPr id="42" name=""/>
         <p:cNvGrpSpPr/>
         <p:nvPr/>
       </p:nvGrpSpPr>
@@ -7592,7 +7592,7 @@
       </p:grpSpPr>
       <p:pic>
         <p:nvPicPr>
-          <p:cNvPr id="2097170" name="object 2"/>
+          <p:cNvPr id="2097163" name="object 2"/>
           <p:cNvPicPr>
             <a:picLocks/>
           </p:cNvPicPr>
@@ -7614,7 +7614,7 @@
       </p:pic>
       <p:sp>
         <p:nvSpPr>
-          <p:cNvPr id="1048681" name="object 3"/>
+          <p:cNvPr id="1048662" name="object 3"/>
           <p:cNvSpPr/>
           <p:nvPr/>
         </p:nvSpPr>
@@ -7659,7 +7659,7 @@
       </p:sp>
       <p:sp>
         <p:nvSpPr>
-          <p:cNvPr id="1048682" name="object 4"/>
+          <p:cNvPr id="1048663" name="object 4"/>
           <p:cNvSpPr/>
           <p:nvPr/>
         </p:nvSpPr>
@@ -7704,7 +7704,7 @@
       </p:sp>
       <p:sp>
         <p:nvSpPr>
-          <p:cNvPr id="1048683" name="object 5"/>
+          <p:cNvPr id="1048664" name="object 5"/>
           <p:cNvSpPr/>
           <p:nvPr/>
         </p:nvSpPr>
@@ -7749,7 +7749,7 @@
       </p:sp>
       <p:sp>
         <p:nvSpPr>
-          <p:cNvPr id="1048684" name="object 6"/>
+          <p:cNvPr id="1048665" name="object 6"/>
           <p:cNvSpPr txBox="1">
             <a:spLocks noGrp="1"/>
           </p:cNvSpPr>
@@ -7760,7 +7760,7 @@
         <p:spPr>
           <a:xfrm>
             <a:off x="558165" y="857885"/>
-            <a:ext cx="9763125" cy="444352"/>
+            <a:ext cx="9763125" cy="483235"/>
           </a:xfrm>
           <a:prstGeom prst="rect"/>
         </p:spPr>
@@ -7797,7 +7797,7 @@
       </p:sp>
       <p:pic>
         <p:nvPicPr>
-          <p:cNvPr id="2097171" name="object 7"/>
+          <p:cNvPr id="2097164" name="object 7"/>
           <p:cNvPicPr>
             <a:picLocks/>
           </p:cNvPicPr>
@@ -7819,7 +7819,7 @@
       </p:pic>
       <p:sp>
         <p:nvSpPr>
-          <p:cNvPr id="1048685" name="object 9"/>
+          <p:cNvPr id="1048666" name="object 9"/>
           <p:cNvSpPr txBox="1">
             <a:spLocks noGrp="1"/>
           </p:cNvSpPr>
@@ -7853,14 +7853,14 @@
       </p:sp>
       <p:sp>
         <p:nvSpPr>
-          <p:cNvPr id="1048686" name="TextBox 1048707"/>
+          <p:cNvPr id="1048667" name="TextBox 1048707"/>
           <p:cNvSpPr txBox="1"/>
           <p:nvPr/>
         </p:nvSpPr>
         <p:spPr>
           <a:xfrm>
             <a:off x="2794475" y="1352718"/>
-            <a:ext cx="7686877" cy="4467057"/>
+            <a:ext cx="7686877" cy="5577840"/>
           </a:xfrm>
           <a:prstGeom prst="rect"/>
         </p:spPr>
@@ -7931,7 +7931,7 @@
   <p:cSld>
     <p:spTree>
       <p:nvGrpSpPr>
-        <p:cNvPr id="50" name=""/>
+        <p:cNvPr id="43" name=""/>
         <p:cNvGrpSpPr/>
         <p:nvPr/>
       </p:nvGrpSpPr>
@@ -7945,7 +7945,7 @@
       </p:grpSpPr>
       <p:sp>
         <p:nvSpPr>
-          <p:cNvPr id="1048687" name="object 5"/>
+          <p:cNvPr id="1048668" name="object 5"/>
           <p:cNvSpPr/>
           <p:nvPr/>
         </p:nvSpPr>
@@ -7990,7 +7990,7 @@
       </p:sp>
       <p:pic>
         <p:nvPicPr>
-          <p:cNvPr id="2097172" name="object 6"/>
+          <p:cNvPr id="2097165" name="object 6"/>
           <p:cNvPicPr>
             <a:picLocks/>
           </p:cNvPicPr>
@@ -8012,7 +8012,7 @@
       </p:pic>
       <p:sp>
         <p:nvSpPr>
-          <p:cNvPr id="1048688" name="object 9"/>
+          <p:cNvPr id="1048669" name="object 9"/>
           <p:cNvSpPr txBox="1"/>
           <p:nvPr/>
         </p:nvSpPr>
@@ -8055,7 +8055,7 @@
       </p:sp>
       <p:sp>
         <p:nvSpPr>
-          <p:cNvPr id="1048689" name="object 8"/>
+          <p:cNvPr id="1048670" name="object 8"/>
           <p:cNvSpPr txBox="1"/>
           <p:nvPr/>
         </p:nvSpPr>
@@ -8101,7 +8101,7 @@
       </p:sp>
       <p:sp>
         <p:nvSpPr>
-          <p:cNvPr id="1048690" name="object 3"/>
+          <p:cNvPr id="1048671" name="object 3"/>
           <p:cNvSpPr/>
           <p:nvPr/>
         </p:nvSpPr>
@@ -8146,7 +8146,7 @@
       </p:sp>
       <p:sp>
         <p:nvSpPr>
-          <p:cNvPr id="1048691" name="TextBox 1048708"/>
+          <p:cNvPr id="1048672" name="TextBox 1048708"/>
           <p:cNvSpPr txBox="1"/>
           <p:nvPr/>
         </p:nvSpPr>
@@ -8236,7 +8236,7 @@
   <p:cSld>
     <p:spTree>
       <p:nvGrpSpPr>
-        <p:cNvPr id="30" name=""/>
+        <p:cNvPr id="44" name=""/>
         <p:cNvGrpSpPr/>
         <p:nvPr/>
       </p:nvGrpSpPr>
@@ -8250,7 +8250,7 @@
       </p:grpSpPr>
       <p:sp>
         <p:nvSpPr>
-          <p:cNvPr id="1048612" name="Title 1"/>
+          <p:cNvPr id="1048673" name="Title 1"/>
           <p:cNvSpPr>
             <a:spLocks noGrp="1"/>
           </p:cNvSpPr>
@@ -8281,14 +8281,14 @@
       </p:sp>
       <p:sp>
         <p:nvSpPr>
-          <p:cNvPr id="1048613" name="TextBox 1048709"/>
+          <p:cNvPr id="1048674" name="TextBox 1048709"/>
           <p:cNvSpPr txBox="1"/>
           <p:nvPr/>
         </p:nvSpPr>
         <p:spPr>
           <a:xfrm>
             <a:off x="914400" y="1447800"/>
-            <a:ext cx="8350074" cy="5577840"/>
+            <a:ext cx="9566676" cy="4968240"/>
           </a:xfrm>
           <a:prstGeom prst="rect"/>
         </p:spPr>

--- a/PPT FWD TNSDC(NM _SK) 2025.pptx
+++ b/PPT FWD TNSDC(NM _SK) 2025.pptx
@@ -202,7 +202,7 @@
           <a:p>
             <a:fld id="{84B86612-B127-4CD0-BF15-66D49A7175F7}" type="datetimeFigureOut">
               <a:rPr lang="en-IN" smtClean="0"/>
-              <a:t>28-08-2025</a:t>
+              <a:t>31-08-2025</a:t>
             </a:fld>
             <a:endParaRPr lang="en-IN"/>
           </a:p>
@@ -705,7 +705,7 @@
           <a:p>
             <a:fld id="{1D8BD707-D9CF-40AE-B4C6-C98DA3205C09}" type="datetimeFigureOut">
               <a:rPr lang="en-US"/>
-              <a:t>8/28/2025</a:t>
+              <a:t>8/31/2025</a:t>
             </a:fld>
             <a:endParaRPr lang="en-US"/>
           </a:p>
@@ -884,7 +884,7 @@
           <a:p>
             <a:fld id="{1D8BD707-D9CF-40AE-B4C6-C98DA3205C09}" type="datetimeFigureOut">
               <a:rPr lang="en-US"/>
-              <a:t>8/28/2025</a:t>
+              <a:t>8/31/2025</a:t>
             </a:fld>
             <a:endParaRPr lang="en-US"/>
           </a:p>
@@ -1090,7 +1090,7 @@
           <a:p>
             <a:fld id="{1D8BD707-D9CF-40AE-B4C6-C98DA3205C09}" type="datetimeFigureOut">
               <a:rPr lang="en-US"/>
-              <a:t>8/28/2025</a:t>
+              <a:t>8/31/2025</a:t>
             </a:fld>
             <a:endParaRPr lang="en-US"/>
           </a:p>
@@ -1248,7 +1248,7 @@
           <a:p>
             <a:fld id="{1D8BD707-D9CF-40AE-B4C6-C98DA3205C09}" type="datetimeFigureOut">
               <a:rPr lang="en-US"/>
-              <a:t>8/28/2025</a:t>
+              <a:t>8/31/2025</a:t>
             </a:fld>
             <a:endParaRPr lang="en-US"/>
           </a:p>
@@ -1374,7 +1374,7 @@
           <a:p>
             <a:fld id="{1D8BD707-D9CF-40AE-B4C6-C98DA3205C09}" type="datetimeFigureOut">
               <a:rPr lang="en-US"/>
-              <a:t>8/28/2025</a:t>
+              <a:t>8/31/2025</a:t>
             </a:fld>
             <a:endParaRPr lang="en-US"/>
           </a:p>
@@ -2024,7 +2024,7 @@
           <a:p>
             <a:fld id="{1D8BD707-D9CF-40AE-B4C6-C98DA3205C09}" type="datetimeFigureOut">
               <a:rPr lang="en-US"/>
-              <a:t>8/28/2025</a:t>
+              <a:t>8/31/2025</a:t>
             </a:fld>
             <a:endParaRPr lang="en-US"/>
           </a:p>
@@ -2507,16 +2507,6 @@
               </a:rPr>
               <a:t>Digital Portfolio </a:t>
             </a:r>
-            <a:r>
-              <a:rPr b="1" dirty="0" sz="2800" i="0" lang="en-US">
-                <a:solidFill>
-                  <a:srgbClr val="7030A0"/>
-                </a:solidFill>
-                <a:effectLst/>
-                <a:latin typeface="+mj-lt"/>
-              </a:rPr>
-              <a:t/>
-            </a:r>
             <a:br>
               <a:rPr b="1" dirty="0" sz="2800" i="0" lang="en-US">
                 <a:solidFill>
@@ -2620,10 +2610,9 @@
               <a:t>STUDENT NAME: </a:t>
             </a:r>
             <a:r>
-              <a:rPr dirty="0" sz="2400" lang="en-US" smtClean="0"/>
+              <a:rPr dirty="0" sz="2400" lang="en-US"/>
               <a:t>SHAMKUMAR V</a:t>
             </a:r>
-            <a:endParaRPr dirty="0" sz="2400" lang="en-US" smtClean="0"/>
           </a:p>
           <a:p>
             <a:pPr algn="just">
@@ -2632,19 +2621,15 @@
               </a:lnSpc>
             </a:pPr>
             <a:r>
-              <a:rPr b="1" dirty="0" sz="2400" lang="en-US" smtClean="0"/>
-              <a:t>REGISTER </a:t>
-            </a:r>
-            <a:r>
               <a:rPr b="1" dirty="0" sz="2400" lang="en-US"/>
-              <a:t>NO AND NMID:</a:t>
+              <a:t>REGISTER NO AND NMID:</a:t>
             </a:r>
             <a:r>
               <a:rPr dirty="0" sz="2400" lang="en-US"/>
               <a:t> </a:t>
             </a:r>
             <a:r>
-              <a:rPr b="1" dirty="0" sz="2400" lang="en-US" smtClean="0"/>
+              <a:rPr b="1" dirty="0" sz="2400" lang="en-US"/>
               <a:t>67F40BE3E9D252D91514472E833F6EE3</a:t>
             </a:r>
           </a:p>
@@ -2655,12 +2640,8 @@
               </a:lnSpc>
             </a:pPr>
             <a:r>
-              <a:rPr b="1" dirty="0" sz="2400" lang="en-US" smtClean="0"/>
-              <a:t>DEPARTMENT</a:t>
-            </a:r>
-            <a:r>
               <a:rPr b="1" dirty="0" sz="2400" lang="en-US"/>
-              <a:t>: </a:t>
+              <a:t>DEPARTMENT: </a:t>
             </a:r>
             <a:r>
               <a:rPr altLang="en-IN" dirty="0" sz="2400" lang="en-US"/>
@@ -3099,16 +3080,7 @@
                 </a:solidFill>
                 <a:latin typeface="+mj-lt"/>
               </a:rPr>
-              <a:t>RESULTS AND </a:t>
-            </a:r>
-            <a:r>
-              <a:rPr dirty="0" sz="2800" lang="en-IN" spc="15" smtClean="0">
-                <a:solidFill>
-                  <a:srgbClr val="7030A0"/>
-                </a:solidFill>
-                <a:latin typeface="+mj-lt"/>
-              </a:rPr>
-              <a:t>SCREENSHOTS OF HOME SECTION</a:t>
+              <a:t>RESULTS AND SCREENSHOTS OF HOME SECTION</a:t>
             </a:r>
             <a:endParaRPr dirty="0" sz="2800">
               <a:solidFill>
@@ -3204,29 +3176,29 @@
       </p:sp>
       <p:pic>
         <p:nvPicPr>
-          <p:cNvPr id="2097167" name="Picture 4"/>
+          <p:cNvPr id="2097167" name="Picture 2097167"/>
           <p:cNvPicPr>
-            <a:picLocks noChangeAspect="1"/>
+            <a:picLocks/>
           </p:cNvPicPr>
           <p:nvPr/>
         </p:nvPicPr>
         <p:blipFill>
-          <a:blip xmlns:r="http://schemas.openxmlformats.org/officeDocument/2006/relationships" r:embed="rId2" cstate="print"/>
+          <a:blip xmlns:r="http://schemas.openxmlformats.org/officeDocument/2006/relationships" r:embed="rId2"/>
           <a:stretch>
             <a:fillRect/>
           </a:stretch>
         </p:blipFill>
         <p:spPr>
           <a:xfrm>
-            <a:off x="2286000" y="1295400"/>
-            <a:ext cx="5607075" cy="4455029"/>
+            <a:off x="8757195" y="1568616"/>
+            <a:ext cx="2940983" cy="4568780"/>
           </a:xfrm>
           <a:prstGeom prst="rect"/>
         </p:spPr>
       </p:pic>
       <p:pic>
         <p:nvPicPr>
-          <p:cNvPr id="2097168" name=""/>
+          <p:cNvPr id="2097177" name=""/>
           <p:cNvPicPr>
             <a:picLocks/>
           </p:cNvPicPr>
@@ -3240,8 +3212,8 @@
         </p:blipFill>
         <p:spPr>
           <a:xfrm rot="0">
-            <a:off x="8564835" y="1075104"/>
-            <a:ext cx="2940983" cy="4895621"/>
+            <a:off x="2528091" y="1568617"/>
+            <a:ext cx="5639234" cy="4076052"/>
           </a:xfrm>
           <a:prstGeom prst="rect"/>
         </p:spPr>
@@ -3297,16 +3269,7 @@
                 </a:solidFill>
                 <a:latin typeface="+mj-lt"/>
               </a:rPr>
-              <a:t>RESULTS AND SCREENSHOTS </a:t>
-            </a:r>
-            <a:r>
-              <a:rPr dirty="0" sz="2800" lang="en-IN" spc="15" smtClean="0">
-                <a:solidFill>
-                  <a:srgbClr val="7030A0"/>
-                </a:solidFill>
-                <a:latin typeface="+mj-lt"/>
-              </a:rPr>
-              <a:t>OF ABOUT SECTION</a:t>
+              <a:t>RESULTS AND SCREENSHOTS OF ABOUT SECTION</a:t>
             </a:r>
             <a:endParaRPr dirty="0" sz="2800" lang="en-US">
               <a:latin typeface="+mj-lt"/>
@@ -3316,7 +3279,7 @@
       </p:sp>
       <p:pic>
         <p:nvPicPr>
-          <p:cNvPr id="2097169" name="Picture 2"/>
+          <p:cNvPr id="2097168" name="Picture 2"/>
           <p:cNvPicPr>
             <a:picLocks noChangeAspect="1"/>
           </p:cNvPicPr>
@@ -3338,7 +3301,7 @@
       </p:pic>
       <p:pic>
         <p:nvPicPr>
-          <p:cNvPr id="2097170" name=""/>
+          <p:cNvPr id="2097169" name="Picture 2097169"/>
           <p:cNvPicPr>
             <a:picLocks/>
           </p:cNvPicPr>
@@ -3417,15 +3380,7 @@
                   <a:srgbClr val="7030A0"/>
                 </a:solidFill>
               </a:rPr>
-              <a:t> AND SCREENSHOTS </a:t>
-            </a:r>
-            <a:r>
-              <a:rPr dirty="0" sz="2800" lang="en-IN" spc="15" smtClean="0">
-                <a:solidFill>
-                  <a:srgbClr val="7030A0"/>
-                </a:solidFill>
-              </a:rPr>
-              <a:t>OF PROJECT  SECTION</a:t>
+              <a:t> AND SCREENSHOTS OF PROJECT  SECTION</a:t>
             </a:r>
             <a:endParaRPr dirty="0" sz="2800" lang="en-US">
               <a:latin typeface="+mj-lt"/>
@@ -3435,7 +3390,7 @@
       </p:sp>
       <p:pic>
         <p:nvPicPr>
-          <p:cNvPr id="2097171" name="Picture 3"/>
+          <p:cNvPr id="2097170" name="Picture 3"/>
           <p:cNvPicPr>
             <a:picLocks noChangeAspect="1"/>
           </p:cNvPicPr>
@@ -3457,7 +3412,7 @@
       </p:pic>
       <p:pic>
         <p:nvPicPr>
-          <p:cNvPr id="2097172" name=""/>
+          <p:cNvPr id="2097171" name="Picture 2097171"/>
           <p:cNvPicPr>
             <a:picLocks/>
           </p:cNvPicPr>
@@ -3528,16 +3483,7 @@
                 </a:solidFill>
                 <a:latin typeface="+mj-lt"/>
               </a:rPr>
-              <a:t>RESULTS AND SCREENSHOTS </a:t>
-            </a:r>
-            <a:r>
-              <a:rPr dirty="0" sz="2800" lang="en-IN" spc="15" smtClean="0">
-                <a:solidFill>
-                  <a:srgbClr val="7030A0"/>
-                </a:solidFill>
-                <a:latin typeface="+mj-lt"/>
-              </a:rPr>
-              <a:t>OF SERVIES SECTION</a:t>
+              <a:t>RESULTS AND SCREENSHOTS OF SERVIES SECTION</a:t>
             </a:r>
             <a:endParaRPr dirty="0" sz="2800" lang="en-US">
               <a:latin typeface="+mj-lt"/>
@@ -3547,7 +3493,7 @@
       </p:sp>
       <p:pic>
         <p:nvPicPr>
-          <p:cNvPr id="2097173" name="Picture 2"/>
+          <p:cNvPr id="2097172" name="Picture 2"/>
           <p:cNvPicPr>
             <a:picLocks noChangeAspect="1"/>
           </p:cNvPicPr>
@@ -3569,7 +3515,7 @@
       </p:pic>
       <p:pic>
         <p:nvPicPr>
-          <p:cNvPr id="2097174" name=""/>
+          <p:cNvPr id="2097173" name="Picture 2097173"/>
           <p:cNvPicPr>
             <a:picLocks/>
           </p:cNvPicPr>
@@ -3640,16 +3586,7 @@
                 </a:solidFill>
                 <a:latin typeface="+mj-lt"/>
               </a:rPr>
-              <a:t>RESULTS AND SCREENSHOTS </a:t>
-            </a:r>
-            <a:r>
-              <a:rPr dirty="0" sz="2800" lang="en-IN" spc="15" smtClean="0">
-                <a:solidFill>
-                  <a:srgbClr val="7030A0"/>
-                </a:solidFill>
-                <a:latin typeface="+mj-lt"/>
-              </a:rPr>
-              <a:t>OF CONTACT SECTION</a:t>
+              <a:t>RESULTS AND SCREENSHOTS OF CONTACT SECTION</a:t>
             </a:r>
             <a:endParaRPr dirty="0" sz="2800" lang="en-US">
               <a:latin typeface="+mj-lt"/>
@@ -3659,7 +3596,7 @@
       </p:sp>
       <p:pic>
         <p:nvPicPr>
-          <p:cNvPr id="2097175" name="Picture 3"/>
+          <p:cNvPr id="2097174" name="Picture 3"/>
           <p:cNvPicPr>
             <a:picLocks noChangeAspect="1"/>
           </p:cNvPicPr>
@@ -3681,7 +3618,7 @@
       </p:pic>
       <p:pic>
         <p:nvPicPr>
-          <p:cNvPr id="2097176" name=""/>
+          <p:cNvPr id="2097175" name="Picture 2097175"/>
           <p:cNvPicPr>
             <a:picLocks/>
           </p:cNvPicPr>
@@ -3863,7 +3800,7 @@
       </p:sp>
       <p:pic>
         <p:nvPicPr>
-          <p:cNvPr id="2097177" name="object 6"/>
+          <p:cNvPr id="2097176" name="object 6"/>
           <p:cNvPicPr>
             <a:picLocks/>
           </p:cNvPicPr>
@@ -3998,12 +3935,8 @@
               </a:lnSpc>
             </a:pPr>
             <a:r>
-              <a:rPr dirty="0" sz="2400" lang="en-US" smtClean="0"/>
-              <a:t>	This </a:t>
-            </a:r>
-            <a:r>
               <a:rPr dirty="0" sz="2400" lang="en-US"/>
-              <a:t>portfolio project is a good way to show skills, learning, and personal details in one place. It looks modern, works on all devices, and is easy to use. The weekly projects show step-by-step progress, which makes it useful for teachers, friends, or employers. It is not only a personal website but also a learning project that proves the use of HTML, CSS, and JavaScript. In the future, it can be improved by adding more projects, a resume, or better features.</a:t>
+              <a:t>	This portfolio project is a good way to show skills, learning, and personal details in one place. It looks modern, works on all devices, and is easy to use. The weekly projects show step-by-step progress, which makes it useful for teachers, friends, or employers. It is not only a personal website but also a learning project that proves the use of HTML, CSS, and JavaScript. In the future, it can be improved by adding more projects, a resume, or better features.</a:t>
             </a:r>
           </a:p>
           <a:p>
@@ -4734,7 +4667,7 @@
               <a:t> </a:t>
             </a:r>
             <a:r>
-              <a:rPr dirty="0" sz="2800" spc="25" smtClean="0">
+              <a:rPr dirty="0" sz="2800" spc="25">
                 <a:solidFill>
                   <a:srgbClr val="7030A0"/>
                 </a:solidFill>
@@ -4743,7 +4676,7 @@
               <a:t>TITLE</a:t>
             </a:r>
             <a:r>
-              <a:rPr dirty="0" sz="2800" lang="en-US" spc="25" smtClean="0">
+              <a:rPr dirty="0" sz="2800" lang="en-US" spc="25">
                 <a:solidFill>
                   <a:srgbClr val="7030A0"/>
                 </a:solidFill>
@@ -6514,73 +6447,73 @@
               </a:tabLst>
             </a:pPr>
             <a:r>
-              <a:rPr dirty="0" sz="2800" spc="-20" smtClean="0">
+              <a:rPr dirty="0" sz="2800" spc="-20">
                 <a:latin typeface="+mj-lt"/>
               </a:rPr>
               <a:t>P</a:t>
             </a:r>
             <a:r>
-              <a:rPr dirty="0" sz="2800" spc="15" smtClean="0">
+              <a:rPr dirty="0" sz="2800" spc="15">
                 <a:latin typeface="+mj-lt"/>
               </a:rPr>
               <a:t>ROB</a:t>
             </a:r>
             <a:r>
-              <a:rPr dirty="0" sz="2800" spc="55" smtClean="0">
+              <a:rPr dirty="0" sz="2800" spc="55">
                 <a:latin typeface="+mj-lt"/>
               </a:rPr>
               <a:t>L</a:t>
             </a:r>
             <a:r>
-              <a:rPr dirty="0" sz="2800" spc="-20" smtClean="0">
+              <a:rPr dirty="0" sz="2800" spc="-20">
                 <a:latin typeface="+mj-lt"/>
               </a:rPr>
               <a:t>E</a:t>
             </a:r>
             <a:r>
-              <a:rPr dirty="0" sz="2800" lang="en-US" spc="20" smtClean="0">
+              <a:rPr dirty="0" sz="2800" lang="en-US" spc="20">
                 <a:latin typeface="+mj-lt"/>
               </a:rPr>
               <a:t>M </a:t>
             </a:r>
             <a:r>
-              <a:rPr dirty="0" sz="2800" spc="10" smtClean="0">
+              <a:rPr dirty="0" sz="2800" spc="10">
                 <a:latin typeface="+mj-lt"/>
               </a:rPr>
               <a:t>S</a:t>
             </a:r>
             <a:r>
-              <a:rPr dirty="0" sz="2800" spc="-370" smtClean="0">
+              <a:rPr dirty="0" sz="2800" spc="-370">
                 <a:latin typeface="+mj-lt"/>
               </a:rPr>
               <a:t>T</a:t>
             </a:r>
             <a:r>
-              <a:rPr dirty="0" sz="2800" spc="-375" smtClean="0">
+              <a:rPr dirty="0" sz="2800" spc="-375">
                 <a:latin typeface="+mj-lt"/>
               </a:rPr>
               <a:t>A</a:t>
             </a:r>
             <a:r>
-              <a:rPr dirty="0" sz="2800" spc="15" smtClean="0">
+              <a:rPr dirty="0" sz="2800" spc="15">
                 <a:latin typeface="+mj-lt"/>
               </a:rPr>
               <a:t>T</a:t>
             </a:r>
             <a:r>
-              <a:rPr dirty="0" sz="2800" spc="-10" smtClean="0">
+              <a:rPr dirty="0" sz="2800" spc="-10">
                 <a:latin typeface="+mj-lt"/>
               </a:rPr>
               <a:t>E</a:t>
             </a:r>
             <a:r>
-              <a:rPr dirty="0" sz="2800" spc="-20" smtClean="0">
+              <a:rPr dirty="0" sz="2800" spc="-20">
                 <a:latin typeface="+mj-lt"/>
               </a:rPr>
               <a:t>ME</a:t>
             </a:r>
             <a:r>
-              <a:rPr dirty="0" sz="2800" spc="10" smtClean="0">
+              <a:rPr dirty="0" sz="2800" spc="10">
                 <a:latin typeface="+mj-lt"/>
               </a:rPr>
               <a:t>NT</a:t>
@@ -6671,18 +6604,9 @@
               </a:lnSpc>
             </a:pPr>
             <a:r>
-              <a:rPr dirty="0" sz="2000" lang="en-US" smtClean="0"/>
-              <a:t>	In </a:t>
-            </a:r>
-            <a:r>
               <a:rPr dirty="0" sz="2000" lang="en-US"/>
-              <a:t>the digital world, students and young professionals often face difficulties in presenting their skills and learning journey in an attractive way. A simple resume cannot always show creativity, coding knowledge, or project progress. Without a portfolio, it becomes harder for employers, teachers, or peers to understand the true capability of a student. Therefore, there is a need for a personal portfolio website that not only introduces the individual but also highlights their skills, projects, and progress in a clear and interactive manner</a:t>
-            </a:r>
-            <a:r>
-              <a:rPr dirty="0" sz="2000" lang="en-US" smtClean="0"/>
-              <a:t>.</a:t>
-            </a:r>
-            <a:endParaRPr dirty="0" sz="2000" lang="en-US"/>
+              <a:t>	In the digital world, students and young professionals often face difficulties in presenting their skills and learning journey in an attractive way. A simple resume cannot always show creativity, coding knowledge, or project progress. Without a portfolio, it becomes harder for employers, teachers, or peers to understand the true capability of a student. Therefore, there is a need for a personal portfolio website that not only introduces the individual but also highlights their skills, projects, and progress in a clear and interactive manner.</a:t>
+            </a:r>
           </a:p>
         </p:txBody>
       </p:sp>
@@ -6917,7 +6841,7 @@
               </a:tabLst>
             </a:pPr>
             <a:r>
-              <a:rPr dirty="0" sz="2800" spc="5" smtClean="0">
+              <a:rPr dirty="0" sz="2800" spc="5">
                 <a:solidFill>
                   <a:srgbClr val="7030A0"/>
                 </a:solidFill>
@@ -6926,7 +6850,7 @@
               <a:t>PROJECT</a:t>
             </a:r>
             <a:r>
-              <a:rPr dirty="0" sz="2800" lang="en-US" spc="5" smtClean="0">
+              <a:rPr dirty="0" sz="2800" lang="en-US" spc="5">
                 <a:solidFill>
                   <a:srgbClr val="7030A0"/>
                 </a:solidFill>
@@ -6935,7 +6859,7 @@
               <a:t>   </a:t>
             </a:r>
             <a:r>
-              <a:rPr dirty="0" sz="2800" spc="-20" smtClean="0">
+              <a:rPr dirty="0" sz="2800" spc="-20">
                 <a:solidFill>
                   <a:srgbClr val="7030A0"/>
                 </a:solidFill>
@@ -7032,12 +6956,8 @@
               </a:lnSpc>
             </a:pPr>
             <a:r>
-              <a:rPr dirty="0" sz="2400" lang="en-US" smtClean="0"/>
-              <a:t>	This </a:t>
-            </a:r>
-            <a:r>
               <a:rPr dirty="0" sz="2400" lang="en-US"/>
-              <a:t>project is a personal portfolio website made for </a:t>
+              <a:t>	This project is a personal portfolio website made for </a:t>
             </a:r>
             <a:r>
               <a:rPr b="1" dirty="0" sz="2400" lang="en-US" err="1"/>
@@ -7053,11 +6973,7 @@
             </a:r>
             <a:r>
               <a:rPr dirty="0" sz="2400" lang="en-US"/>
-              <a:t> to make it modern and responsive. The main purpose of the project is to show personal details, skills, and week-by-week learning projects. The Projects section is special because it links to live demos of the </a:t>
-            </a:r>
-            <a:r>
-              <a:rPr dirty="0" sz="2400" lang="en-US" smtClean="0"/>
-              <a:t>work.</a:t>
+              <a:t> to make it modern and responsive. The main purpose of the project is to show personal details, skills, and week-by-week learning projects. The Projects section is special because it links to live demos of the work.</a:t>
             </a:r>
             <a:endParaRPr dirty="0" sz="2400" lang="en-IN">
               <a:solidFill>
@@ -7526,12 +7442,8 @@
               </a:lnSpc>
             </a:pPr>
             <a:r>
-              <a:rPr dirty="0" sz="2400" lang="en-US" smtClean="0"/>
-              <a:t>	The </a:t>
-            </a:r>
-            <a:r>
               <a:rPr dirty="0" sz="2400" lang="en-US"/>
-              <a:t>portfolio website can be used by different groups of people. First, it is useful for </a:t>
+              <a:t>	The portfolio website can be used by different groups of people. First, it is useful for </a:t>
             </a:r>
             <a:r>
               <a:rPr b="1" dirty="0" sz="2400" lang="en-US"/>
@@ -7875,12 +7787,8 @@
               </a:lnSpc>
             </a:pPr>
             <a:r>
-              <a:rPr dirty="0" sz="2400" lang="en-US" smtClean="0"/>
-              <a:t>	The </a:t>
-            </a:r>
-            <a:r>
               <a:rPr dirty="0" sz="2400" lang="en-US"/>
-              <a:t>portfolio website is built using </a:t>
+              <a:t>	The portfolio website is built using </a:t>
             </a:r>
             <a:r>
               <a:rPr b="1" dirty="0" sz="2400" lang="en-US"/>
@@ -8168,12 +8076,8 @@
               </a:lnSpc>
             </a:pPr>
             <a:r>
-              <a:rPr dirty="0" sz="2000" lang="en-US" smtClean="0"/>
-              <a:t>	The </a:t>
-            </a:r>
-            <a:r>
               <a:rPr dirty="0" sz="2000" lang="en-US"/>
-              <a:t>design of the portfolio is clean, modern, and user-friendly. At the top, there is a navigation bar with a logo, links to sections, and a dark mode option. The </a:t>
+              <a:t>	The design of the portfolio is clean, modern, and user-friendly. At the top, there is a navigation bar with a logo, links to sections, and a dark mode option. The </a:t>
             </a:r>
             <a:r>
               <a:rPr b="1" dirty="0" sz="2000" lang="en-US"/>
@@ -8303,12 +8207,8 @@
               </a:lnSpc>
             </a:pPr>
             <a:r>
-              <a:rPr dirty="0" sz="2400" lang="en-US" smtClean="0"/>
-              <a:t>	The </a:t>
-            </a:r>
-            <a:r>
               <a:rPr dirty="0" sz="2400" lang="en-US"/>
-              <a:t>portfolio includes several interactive features to improve user experience. It is fully </a:t>
+              <a:t>	The portfolio includes several interactive features to improve user experience. It is fully </a:t>
             </a:r>
             <a:r>
               <a:rPr b="1" dirty="0" sz="2400" lang="en-US"/>
